--- a/Manual/CURSO QLIK-CLI.pptx
+++ b/Manual/CURSO QLIK-CLI.pptx
@@ -5,14 +5,18 @@
     <p:sldMasterId id="2147483648" r:id="rId1"/>
   </p:sldMasterIdLst>
   <p:notesMasterIdLst>
-    <p:notesMasterId r:id="rId7"/>
+    <p:notesMasterId r:id="rId11"/>
   </p:notesMasterIdLst>
   <p:sldIdLst>
     <p:sldId id="256" r:id="rId2"/>
     <p:sldId id="260" r:id="rId3"/>
-    <p:sldId id="257" r:id="rId4"/>
-    <p:sldId id="258" r:id="rId5"/>
-    <p:sldId id="259" r:id="rId6"/>
+    <p:sldId id="263" r:id="rId4"/>
+    <p:sldId id="264" r:id="rId5"/>
+    <p:sldId id="262" r:id="rId6"/>
+    <p:sldId id="257" r:id="rId7"/>
+    <p:sldId id="258" r:id="rId8"/>
+    <p:sldId id="259" r:id="rId9"/>
+    <p:sldId id="261" r:id="rId10"/>
   </p:sldIdLst>
   <p:sldSz cx="12192000" cy="6858000"/>
   <p:notesSz cx="6858000" cy="9144000"/>
@@ -111,6 +115,11 @@
       </a:defRPr>
     </a:lvl9pPr>
   </p:defaultTextStyle>
+  <p:extLst>
+    <p:ext uri="{EFAFB233-063F-42B5-8137-9DF3F51BA10A}">
+      <p15:sldGuideLst xmlns:p15="http://schemas.microsoft.com/office/powerpoint/2012/main"/>
+    </p:ext>
+  </p:extLst>
 </p:presentation>
 </file>
 
@@ -196,7 +205,7 @@
           <a:p>
             <a:fld id="{F6E7A8F2-C6CE-49B6-A752-A2227416A48E}" type="datetimeFigureOut">
               <a:rPr lang="pt-BR" smtClean="0"/>
-              <a:t>20/07/2022</a:t>
+              <a:t>21/07/2022</a:t>
             </a:fld>
             <a:endParaRPr lang="pt-BR"/>
           </a:p>
@@ -610,7 +619,7 @@
           <a:p>
             <a:fld id="{A90964A6-0D45-4C96-9DF9-1B95F3390CF7}" type="datetime1">
               <a:rPr lang="pt-BR" smtClean="0"/>
-              <a:t>20/07/2022</a:t>
+              <a:t>21/07/2022</a:t>
             </a:fld>
             <a:endParaRPr lang="pt-BR"/>
           </a:p>
@@ -808,7 +817,7 @@
           <a:p>
             <a:fld id="{837A4ABC-24D2-4238-98FB-983FD1284757}" type="datetime1">
               <a:rPr lang="pt-BR" smtClean="0"/>
-              <a:t>20/07/2022</a:t>
+              <a:t>21/07/2022</a:t>
             </a:fld>
             <a:endParaRPr lang="pt-BR"/>
           </a:p>
@@ -1016,7 +1025,7 @@
           <a:p>
             <a:fld id="{0D64A121-C322-42B6-A035-89D16540A94E}" type="datetime1">
               <a:rPr lang="pt-BR" smtClean="0"/>
-              <a:t>20/07/2022</a:t>
+              <a:t>21/07/2022</a:t>
             </a:fld>
             <a:endParaRPr lang="pt-BR"/>
           </a:p>
@@ -1214,7 +1223,7 @@
           <a:p>
             <a:fld id="{2F9CBEC2-F8B3-4EEA-99DE-803BE0F6CF4F}" type="datetime1">
               <a:rPr lang="pt-BR" smtClean="0"/>
-              <a:t>20/07/2022</a:t>
+              <a:t>21/07/2022</a:t>
             </a:fld>
             <a:endParaRPr lang="pt-BR"/>
           </a:p>
@@ -1489,7 +1498,7 @@
           <a:p>
             <a:fld id="{8E31BCA5-A3BC-40E2-AC55-29F123383569}" type="datetime1">
               <a:rPr lang="pt-BR" smtClean="0"/>
-              <a:t>20/07/2022</a:t>
+              <a:t>21/07/2022</a:t>
             </a:fld>
             <a:endParaRPr lang="pt-BR"/>
           </a:p>
@@ -1754,7 +1763,7 @@
           <a:p>
             <a:fld id="{F84FDBD2-31FE-4E39-8410-8CDF5B98ED50}" type="datetime1">
               <a:rPr lang="pt-BR" smtClean="0"/>
-              <a:t>20/07/2022</a:t>
+              <a:t>21/07/2022</a:t>
             </a:fld>
             <a:endParaRPr lang="pt-BR"/>
           </a:p>
@@ -2166,7 +2175,7 @@
           <a:p>
             <a:fld id="{3F4ED0DA-3959-4E6B-9D6E-8CE2CBD5CEF3}" type="datetime1">
               <a:rPr lang="pt-BR" smtClean="0"/>
-              <a:t>20/07/2022</a:t>
+              <a:t>21/07/2022</a:t>
             </a:fld>
             <a:endParaRPr lang="pt-BR"/>
           </a:p>
@@ -2307,7 +2316,7 @@
           <a:p>
             <a:fld id="{725641ED-A411-42D7-BE2E-D5CBC256C3AE}" type="datetime1">
               <a:rPr lang="pt-BR" smtClean="0"/>
-              <a:t>20/07/2022</a:t>
+              <a:t>21/07/2022</a:t>
             </a:fld>
             <a:endParaRPr lang="pt-BR"/>
           </a:p>
@@ -2420,7 +2429,7 @@
           <a:p>
             <a:fld id="{0BCB213A-0468-4C59-A7E0-F8B0C267523A}" type="datetime1">
               <a:rPr lang="pt-BR" smtClean="0"/>
-              <a:t>20/07/2022</a:t>
+              <a:t>21/07/2022</a:t>
             </a:fld>
             <a:endParaRPr lang="pt-BR"/>
           </a:p>
@@ -2731,7 +2740,7 @@
           <a:p>
             <a:fld id="{186F7E2C-AA48-4D3A-A12D-350C01D90B5D}" type="datetime1">
               <a:rPr lang="pt-BR" smtClean="0"/>
-              <a:t>20/07/2022</a:t>
+              <a:t>21/07/2022</a:t>
             </a:fld>
             <a:endParaRPr lang="pt-BR"/>
           </a:p>
@@ -3019,7 +3028,7 @@
           <a:p>
             <a:fld id="{78ACC8F9-59A6-493A-9A64-313DCE6F9DBE}" type="datetime1">
               <a:rPr lang="pt-BR" smtClean="0"/>
-              <a:t>20/07/2022</a:t>
+              <a:t>21/07/2022</a:t>
             </a:fld>
             <a:endParaRPr lang="pt-BR"/>
           </a:p>
@@ -3260,7 +3269,7 @@
           <a:p>
             <a:fld id="{6638A9F5-BC6A-437C-A253-83093F56DABA}" type="datetime1">
               <a:rPr lang="pt-BR" smtClean="0"/>
-              <a:t>20/07/2022</a:t>
+              <a:t>21/07/2022</a:t>
             </a:fld>
             <a:endParaRPr lang="pt-BR"/>
           </a:p>
@@ -3822,8 +3831,8 @@
         </p:nvSpPr>
         <p:spPr>
           <a:xfrm>
-            <a:off x="530087" y="1724153"/>
-            <a:ext cx="10204174" cy="2862322"/>
+            <a:off x="530086" y="1724153"/>
+            <a:ext cx="11177452" cy="4524315"/>
           </a:xfrm>
           <a:prstGeom prst="rect">
             <a:avLst/>
@@ -3836,41 +3845,86 @@
           </a:bodyPr>
           <a:lstStyle/>
           <a:p>
-            <a:pPr algn="l">
+            <a:pPr>
               <a:buFont typeface="Arial" panose="020B0604020202020204" pitchFamily="34" charset="0"/>
               <a:buChar char="•"/>
             </a:pPr>
             <a:r>
-              <a:rPr lang="pt-BR" b="0" i="0" dirty="0" err="1">
+              <a:rPr lang="pt-BR" b="1" dirty="0">
                 <a:solidFill>
                   <a:srgbClr val="24292F"/>
                 </a:solidFill>
-                <a:effectLst/>
+                <a:highlight>
+                  <a:srgbClr val="FFFF00"/>
+                </a:highlight>
                 <a:latin typeface="-apple-system"/>
               </a:rPr>
-              <a:t>Qlikdev</a:t>
-            </a:r>
-            <a:r>
-              <a:rPr lang="pt-BR" b="0" i="0" dirty="0">
+              <a:t>Meu Repositório </a:t>
+            </a:r>
+            <a:r>
+              <a:rPr lang="pt-BR" b="1" dirty="0" err="1">
                 <a:solidFill>
                   <a:srgbClr val="24292F"/>
                 </a:solidFill>
-                <a:effectLst/>
+                <a:highlight>
+                  <a:srgbClr val="FFFF00"/>
+                </a:highlight>
                 <a:latin typeface="-apple-system"/>
               </a:rPr>
-              <a:t> - Outras ferramentas e tutoriais estão disponíveis aqui: </a:t>
-            </a:r>
-            <a:r>
-              <a:rPr lang="pt-BR" b="0" i="0" u="none" strike="noStrike" dirty="0">
+              <a:t>Qlik-Cli</a:t>
+            </a:r>
+            <a:r>
+              <a:rPr lang="pt-BR" b="1" dirty="0">
                 <a:solidFill>
                   <a:srgbClr val="24292F"/>
                 </a:solidFill>
-                <a:effectLst/>
+                <a:highlight>
+                  <a:srgbClr val="FFFF00"/>
+                </a:highlight>
+                <a:latin typeface="-apple-system"/>
+              </a:rPr>
+              <a:t> no GitHub </a:t>
+            </a:r>
+            <a:r>
+              <a:rPr lang="pt-BR" dirty="0">
+                <a:solidFill>
+                  <a:srgbClr val="24292F"/>
+                </a:solidFill>
+                <a:highlight>
+                  <a:srgbClr val="FFFF00"/>
+                </a:highlight>
+                <a:latin typeface="-apple-system"/>
+              </a:rPr>
+              <a:t>- </a:t>
+            </a:r>
+            <a:r>
+              <a:rPr lang="pt-BR" dirty="0">
+                <a:solidFill>
+                  <a:srgbClr val="24292F"/>
+                </a:solidFill>
+                <a:highlight>
+                  <a:srgbClr val="FFFF00"/>
+                </a:highlight>
                 <a:latin typeface="-apple-system"/>
                 <a:hlinkClick r:id="rId2"/>
               </a:rPr>
-              <a:t>https://qlik.dev/</a:t>
-            </a:r>
+              <a:t>https://github.com/digaosss70/Qlik-Cli</a:t>
+            </a:r>
+            <a:endParaRPr lang="pt-BR" dirty="0">
+              <a:solidFill>
+                <a:srgbClr val="24292F"/>
+              </a:solidFill>
+              <a:highlight>
+                <a:srgbClr val="FFFF00"/>
+              </a:highlight>
+              <a:latin typeface="-apple-system"/>
+            </a:endParaRPr>
+          </a:p>
+          <a:p>
+            <a:pPr>
+              <a:buFont typeface="Arial" panose="020B0604020202020204" pitchFamily="34" charset="0"/>
+              <a:buChar char="•"/>
+            </a:pPr>
             <a:endParaRPr lang="pt-BR" b="0" i="0" dirty="0">
               <a:solidFill>
                 <a:srgbClr val="24292F"/>
@@ -3885,14 +3939,14 @@
               <a:buChar char="•"/>
             </a:pPr>
             <a:r>
-              <a:rPr lang="pt-BR" b="0" i="0" dirty="0" err="1">
+              <a:rPr lang="pt-BR" b="1" i="0" dirty="0" err="1">
                 <a:solidFill>
                   <a:srgbClr val="24292F"/>
                 </a:solidFill>
                 <a:effectLst/>
                 <a:latin typeface="-apple-system"/>
               </a:rPr>
-              <a:t>Qlik-cli</a:t>
+              <a:t>Qlikdev</a:t>
             </a:r>
             <a:r>
               <a:rPr lang="pt-BR" b="0" i="0" dirty="0">
@@ -3902,27 +3956,7 @@
                 <a:effectLst/>
                 <a:latin typeface="-apple-system"/>
               </a:rPr>
-              <a:t> - Documentação específica do </a:t>
-            </a:r>
-            <a:r>
-              <a:rPr lang="pt-BR" b="0" i="0" dirty="0" err="1">
-                <a:solidFill>
-                  <a:srgbClr val="24292F"/>
-                </a:solidFill>
-                <a:effectLst/>
-                <a:latin typeface="-apple-system"/>
-              </a:rPr>
-              <a:t>Qlik-Cli</a:t>
-            </a:r>
-            <a:r>
-              <a:rPr lang="pt-BR" b="0" i="0" dirty="0">
-                <a:solidFill>
-                  <a:srgbClr val="24292F"/>
-                </a:solidFill>
-                <a:effectLst/>
-                <a:latin typeface="-apple-system"/>
-              </a:rPr>
-              <a:t>: </a:t>
+              <a:t> - Outras ferramentas e tutoriais estão disponíveis aqui: </a:t>
             </a:r>
             <a:r>
               <a:rPr lang="pt-BR" b="0" i="0" u="none" strike="noStrike" dirty="0">
@@ -3933,8 +3967,21 @@
                 <a:latin typeface="-apple-system"/>
                 <a:hlinkClick r:id="rId3"/>
               </a:rPr>
-              <a:t>https://qlik.dev/libraries-and-tools/qlik-cli</a:t>
-            </a:r>
+              <a:t>https://qlik.dev/</a:t>
+            </a:r>
+            <a:endParaRPr lang="pt-BR" b="0" i="0" u="none" strike="noStrike" dirty="0">
+              <a:solidFill>
+                <a:srgbClr val="24292F"/>
+              </a:solidFill>
+              <a:effectLst/>
+              <a:latin typeface="-apple-system"/>
+            </a:endParaRPr>
+          </a:p>
+          <a:p>
+            <a:pPr algn="l">
+              <a:buFont typeface="Arial" panose="020B0604020202020204" pitchFamily="34" charset="0"/>
+              <a:buChar char="•"/>
+            </a:pPr>
             <a:endParaRPr lang="pt-BR" b="0" i="0" dirty="0">
               <a:solidFill>
                 <a:srgbClr val="24292F"/>
@@ -3949,14 +3996,14 @@
               <a:buChar char="•"/>
             </a:pPr>
             <a:r>
-              <a:rPr lang="pt-BR" b="0" i="0" dirty="0" err="1">
+              <a:rPr lang="pt-BR" b="1" i="0" dirty="0" err="1">
                 <a:solidFill>
                   <a:srgbClr val="24292F"/>
                 </a:solidFill>
                 <a:effectLst/>
                 <a:latin typeface="-apple-system"/>
               </a:rPr>
-              <a:t>Chocolatey</a:t>
+              <a:t>Qlik-cli</a:t>
             </a:r>
             <a:r>
               <a:rPr lang="pt-BR" b="0" i="0" dirty="0">
@@ -3966,7 +4013,27 @@
                 <a:effectLst/>
                 <a:latin typeface="-apple-system"/>
               </a:rPr>
-              <a:t> - Ferramenta de apoio para manutenção, instalação de ferramentas, módulos de linha de comando: </a:t>
+              <a:t> - Documentação específica do </a:t>
+            </a:r>
+            <a:r>
+              <a:rPr lang="pt-BR" b="0" i="0" dirty="0" err="1">
+                <a:solidFill>
+                  <a:srgbClr val="24292F"/>
+                </a:solidFill>
+                <a:effectLst/>
+                <a:latin typeface="-apple-system"/>
+              </a:rPr>
+              <a:t>Qlik-Cli</a:t>
+            </a:r>
+            <a:r>
+              <a:rPr lang="pt-BR" b="0" i="0" dirty="0">
+                <a:solidFill>
+                  <a:srgbClr val="24292F"/>
+                </a:solidFill>
+                <a:effectLst/>
+                <a:latin typeface="-apple-system"/>
+              </a:rPr>
+              <a:t>: </a:t>
             </a:r>
             <a:r>
               <a:rPr lang="pt-BR" b="0" i="0" u="none" strike="noStrike" dirty="0">
@@ -3977,8 +4044,21 @@
                 <a:latin typeface="-apple-system"/>
                 <a:hlinkClick r:id="rId4"/>
               </a:rPr>
-              <a:t>https://chocolatey.org/</a:t>
-            </a:r>
+              <a:t>https://qlik.dev/libraries-and-tools/qlik-cli</a:t>
+            </a:r>
+            <a:endParaRPr lang="pt-BR" b="0" i="0" u="none" strike="noStrike" dirty="0">
+              <a:solidFill>
+                <a:srgbClr val="24292F"/>
+              </a:solidFill>
+              <a:effectLst/>
+              <a:latin typeface="-apple-system"/>
+            </a:endParaRPr>
+          </a:p>
+          <a:p>
+            <a:pPr algn="l">
+              <a:buFont typeface="Arial" panose="020B0604020202020204" pitchFamily="34" charset="0"/>
+              <a:buChar char="•"/>
+            </a:pPr>
             <a:endParaRPr lang="pt-BR" b="0" i="0" dirty="0">
               <a:solidFill>
                 <a:srgbClr val="24292F"/>
@@ -3993,14 +4073,14 @@
               <a:buChar char="•"/>
             </a:pPr>
             <a:r>
-              <a:rPr lang="pt-BR" b="0" i="0" dirty="0" err="1">
+              <a:rPr lang="pt-BR" b="1" i="0" dirty="0" err="1">
                 <a:solidFill>
                   <a:srgbClr val="24292F"/>
                 </a:solidFill>
                 <a:effectLst/>
                 <a:latin typeface="-apple-system"/>
               </a:rPr>
-              <a:t>Jq</a:t>
+              <a:t>Chocolatey</a:t>
             </a:r>
             <a:r>
               <a:rPr lang="pt-BR" b="0" i="0" dirty="0">
@@ -4010,7 +4090,26 @@
                 <a:effectLst/>
                 <a:latin typeface="-apple-system"/>
               </a:rPr>
-              <a:t> - modulo para filtros, mudanças no resultado para ferramentas, módulos de linha de comando: </a:t>
+              <a:t> - modulo de apoio para manutenção</a:t>
+            </a:r>
+            <a:r>
+              <a:rPr lang="pt-BR" dirty="0">
+                <a:solidFill>
+                  <a:srgbClr val="24292F"/>
+                </a:solidFill>
+                <a:latin typeface="-apple-system"/>
+              </a:rPr>
+              <a:t> </a:t>
+            </a:r>
+            <a:r>
+              <a:rPr lang="pt-BR" b="0" i="0" dirty="0">
+                <a:solidFill>
+                  <a:srgbClr val="24292F"/>
+                </a:solidFill>
+                <a:effectLst/>
+                <a:latin typeface="-apple-system"/>
+              </a:rPr>
+              <a:t>de módulos de linha de comando: </a:t>
             </a:r>
             <a:r>
               <a:rPr lang="pt-BR" b="0" i="0" u="none" strike="noStrike" dirty="0">
@@ -4021,7 +4120,74 @@
                 <a:latin typeface="-apple-system"/>
                 <a:hlinkClick r:id="rId5"/>
               </a:rPr>
-              <a:t>https://stedolan.github.io/jq/</a:t>
+              <a:t>https://chocolatey.org/</a:t>
+            </a:r>
+            <a:endParaRPr lang="pt-BR" b="0" i="0" u="none" strike="noStrike" dirty="0">
+              <a:solidFill>
+                <a:srgbClr val="24292F"/>
+              </a:solidFill>
+              <a:effectLst/>
+              <a:latin typeface="-apple-system"/>
+            </a:endParaRPr>
+          </a:p>
+          <a:p>
+            <a:pPr algn="l">
+              <a:buFont typeface="Arial" panose="020B0604020202020204" pitchFamily="34" charset="0"/>
+              <a:buChar char="•"/>
+            </a:pPr>
+            <a:endParaRPr lang="pt-BR" b="0" i="0" u="none" strike="noStrike" dirty="0">
+              <a:solidFill>
+                <a:srgbClr val="24292F"/>
+              </a:solidFill>
+              <a:effectLst/>
+              <a:latin typeface="-apple-system"/>
+            </a:endParaRPr>
+          </a:p>
+          <a:p>
+            <a:pPr>
+              <a:buFont typeface="Arial" panose="020B0604020202020204" pitchFamily="34" charset="0"/>
+              <a:buChar char="•"/>
+            </a:pPr>
+            <a:r>
+              <a:rPr lang="pt-BR" b="1" i="0" dirty="0" err="1">
+                <a:solidFill>
+                  <a:srgbClr val="24292F"/>
+                </a:solidFill>
+                <a:effectLst/>
+                <a:latin typeface="-apple-system"/>
+              </a:rPr>
+              <a:t>Chocolatey</a:t>
+            </a:r>
+            <a:r>
+              <a:rPr lang="pt-BR" b="1" i="0" dirty="0">
+                <a:solidFill>
+                  <a:srgbClr val="24292F"/>
+                </a:solidFill>
+                <a:effectLst/>
+                <a:latin typeface="-apple-system"/>
+              </a:rPr>
+              <a:t> Instalação</a:t>
+            </a:r>
+            <a:r>
+              <a:rPr lang="pt-BR" b="0" i="0" dirty="0">
+                <a:solidFill>
+                  <a:srgbClr val="24292F"/>
+                </a:solidFill>
+                <a:effectLst/>
+                <a:latin typeface="-apple-system"/>
+              </a:rPr>
+              <a:t>: </a:t>
+            </a:r>
+            <a:r>
+              <a:rPr lang="pt-BR" b="0" i="0" dirty="0">
+                <a:solidFill>
+                  <a:srgbClr val="24292F"/>
+                </a:solidFill>
+                <a:effectLst/>
+                <a:latin typeface="-apple-system"/>
+                <a:hlinkClick r:id="rId2"/>
+              </a:rPr>
+              <a:t>https://chocolatey.org/install</a:t>
             </a:r>
             <a:endParaRPr lang="pt-BR" b="0" i="0" dirty="0">
               <a:solidFill>
@@ -4032,19 +4198,32 @@
             </a:endParaRPr>
           </a:p>
           <a:p>
+            <a:pPr>
+              <a:buFont typeface="Arial" panose="020B0604020202020204" pitchFamily="34" charset="0"/>
+              <a:buChar char="•"/>
+            </a:pPr>
+            <a:endParaRPr lang="pt-BR" b="0" i="0" dirty="0">
+              <a:solidFill>
+                <a:srgbClr val="24292F"/>
+              </a:solidFill>
+              <a:effectLst/>
+              <a:latin typeface="-apple-system"/>
+            </a:endParaRPr>
+          </a:p>
+          <a:p>
             <a:pPr algn="l">
               <a:buFont typeface="Arial" panose="020B0604020202020204" pitchFamily="34" charset="0"/>
               <a:buChar char="•"/>
             </a:pPr>
             <a:r>
-              <a:rPr lang="pt-BR" b="0" i="0" dirty="0" err="1">
+              <a:rPr lang="pt-BR" b="1" i="0" dirty="0" err="1">
                 <a:solidFill>
                   <a:srgbClr val="24292F"/>
                 </a:solidFill>
                 <a:effectLst/>
                 <a:latin typeface="-apple-system"/>
               </a:rPr>
-              <a:t>PowerShell</a:t>
+              <a:t>Jq</a:t>
             </a:r>
             <a:r>
               <a:rPr lang="pt-BR" b="0" i="0" dirty="0">
@@ -4054,47 +4233,26 @@
                 <a:effectLst/>
                 <a:latin typeface="-apple-system"/>
               </a:rPr>
-              <a:t> Guia - </a:t>
-            </a:r>
-            <a:r>
-              <a:rPr lang="pt-BR" b="0" i="0" dirty="0" err="1">
+              <a:t> - modulo para filtros</a:t>
+            </a:r>
+            <a:r>
+              <a:rPr lang="pt-BR" dirty="0">
+                <a:solidFill>
+                  <a:srgbClr val="24292F"/>
+                </a:solidFill>
+                <a:latin typeface="-apple-system"/>
+              </a:rPr>
+              <a:t> </a:t>
+            </a:r>
+            <a:r>
+              <a:rPr lang="pt-BR" b="0" i="0" dirty="0">
                 <a:solidFill>
                   <a:srgbClr val="24292F"/>
                 </a:solidFill>
                 <a:effectLst/>
                 <a:latin typeface="-apple-system"/>
               </a:rPr>
-              <a:t>Github</a:t>
-            </a:r>
-            <a:r>
-              <a:rPr lang="pt-BR" b="0" i="0" dirty="0">
-                <a:solidFill>
-                  <a:srgbClr val="24292F"/>
-                </a:solidFill>
-                <a:effectLst/>
-                <a:latin typeface="-apple-system"/>
-              </a:rPr>
-              <a:t> com um extenso guia sobre </a:t>
-            </a:r>
-            <a:r>
-              <a:rPr lang="pt-BR" b="0" i="0" dirty="0" err="1">
-                <a:solidFill>
-                  <a:srgbClr val="24292F"/>
-                </a:solidFill>
-                <a:effectLst/>
-                <a:latin typeface="-apple-system"/>
-              </a:rPr>
-              <a:t>PowerShell</a:t>
-            </a:r>
-            <a:r>
-              <a:rPr lang="pt-BR" b="0" i="0" dirty="0">
-                <a:solidFill>
-                  <a:srgbClr val="24292F"/>
-                </a:solidFill>
-                <a:effectLst/>
-                <a:latin typeface="-apple-system"/>
-              </a:rPr>
-              <a:t>: </a:t>
+              <a:t>no resultado para ferramentas, módulos de linha de comando: </a:t>
             </a:r>
             <a:r>
               <a:rPr lang="pt-BR" b="0" i="0" u="none" strike="noStrike" dirty="0">
@@ -4104,6 +4262,174 @@
                 <a:effectLst/>
                 <a:latin typeface="-apple-system"/>
                 <a:hlinkClick r:id="rId6"/>
+              </a:rPr>
+              <a:t>https://stedolan.github.io/jq/</a:t>
+            </a:r>
+            <a:endParaRPr lang="pt-BR" b="0" i="0" u="none" strike="noStrike" dirty="0">
+              <a:solidFill>
+                <a:srgbClr val="24292F"/>
+              </a:solidFill>
+              <a:effectLst/>
+              <a:latin typeface="-apple-system"/>
+            </a:endParaRPr>
+          </a:p>
+          <a:p>
+            <a:pPr algn="l">
+              <a:buFont typeface="Arial" panose="020B0604020202020204" pitchFamily="34" charset="0"/>
+              <a:buChar char="•"/>
+            </a:pPr>
+            <a:endParaRPr lang="pt-BR" b="0" i="0" u="none" strike="noStrike" dirty="0">
+              <a:solidFill>
+                <a:srgbClr val="24292F"/>
+              </a:solidFill>
+              <a:effectLst/>
+              <a:latin typeface="-apple-system"/>
+            </a:endParaRPr>
+          </a:p>
+          <a:p>
+            <a:pPr>
+              <a:buFont typeface="Arial" panose="020B0604020202020204" pitchFamily="34" charset="0"/>
+              <a:buChar char="•"/>
+            </a:pPr>
+            <a:r>
+              <a:rPr lang="pt-BR" b="1" i="0" dirty="0" err="1">
+                <a:solidFill>
+                  <a:srgbClr val="24292F"/>
+                </a:solidFill>
+                <a:effectLst/>
+                <a:latin typeface="-apple-system"/>
+              </a:rPr>
+              <a:t>Jq</a:t>
+            </a:r>
+            <a:r>
+              <a:rPr lang="pt-BR" b="1" i="0" dirty="0">
+                <a:solidFill>
+                  <a:srgbClr val="24292F"/>
+                </a:solidFill>
+                <a:effectLst/>
+                <a:latin typeface="-apple-system"/>
+              </a:rPr>
+              <a:t> Instalação </a:t>
+            </a:r>
+            <a:r>
+              <a:rPr lang="pt-BR" b="0" i="0" dirty="0">
+                <a:solidFill>
+                  <a:srgbClr val="24292F"/>
+                </a:solidFill>
+                <a:effectLst/>
+                <a:latin typeface="-apple-system"/>
+              </a:rPr>
+              <a:t>-  </a:t>
+            </a:r>
+            <a:r>
+              <a:rPr lang="pt-BR" b="0" i="0" dirty="0">
+                <a:solidFill>
+                  <a:srgbClr val="24292F"/>
+                </a:solidFill>
+                <a:effectLst/>
+                <a:latin typeface="-apple-system"/>
+                <a:hlinkClick r:id="rId7"/>
+              </a:rPr>
+              <a:t>https://stedolan.github.io/jq/download/</a:t>
+            </a:r>
+            <a:endParaRPr lang="pt-BR" b="0" i="0" dirty="0">
+              <a:solidFill>
+                <a:srgbClr val="24292F"/>
+              </a:solidFill>
+              <a:effectLst/>
+              <a:latin typeface="-apple-system"/>
+            </a:endParaRPr>
+          </a:p>
+          <a:p>
+            <a:pPr>
+              <a:buFont typeface="Arial" panose="020B0604020202020204" pitchFamily="34" charset="0"/>
+              <a:buChar char="•"/>
+            </a:pPr>
+            <a:endParaRPr lang="pt-BR" dirty="0"/>
+          </a:p>
+          <a:p>
+            <a:pPr>
+              <a:buFont typeface="Arial" panose="020B0604020202020204" pitchFamily="34" charset="0"/>
+              <a:buChar char="•"/>
+            </a:pPr>
+            <a:r>
+              <a:rPr lang="pt-BR" b="1" i="0" dirty="0" err="1">
+                <a:solidFill>
+                  <a:srgbClr val="24292F"/>
+                </a:solidFill>
+                <a:effectLst/>
+                <a:latin typeface="-apple-system"/>
+              </a:rPr>
+              <a:t>PowerShell</a:t>
+            </a:r>
+            <a:r>
+              <a:rPr lang="pt-BR" b="1" i="0" dirty="0">
+                <a:solidFill>
+                  <a:srgbClr val="24292F"/>
+                </a:solidFill>
+                <a:effectLst/>
+                <a:latin typeface="-apple-system"/>
+              </a:rPr>
+              <a:t> Guia</a:t>
+            </a:r>
+            <a:r>
+              <a:rPr lang="pt-BR" b="0" i="0" dirty="0">
+                <a:solidFill>
+                  <a:srgbClr val="24292F"/>
+                </a:solidFill>
+                <a:effectLst/>
+                <a:latin typeface="-apple-system"/>
+              </a:rPr>
+              <a:t> - </a:t>
+            </a:r>
+            <a:r>
+              <a:rPr lang="pt-BR" b="0" i="0" dirty="0" err="1">
+                <a:solidFill>
+                  <a:srgbClr val="24292F"/>
+                </a:solidFill>
+                <a:effectLst/>
+                <a:latin typeface="-apple-system"/>
+              </a:rPr>
+              <a:t>Github</a:t>
+            </a:r>
+            <a:r>
+              <a:rPr lang="pt-BR" b="0" i="0" dirty="0">
+                <a:solidFill>
+                  <a:srgbClr val="24292F"/>
+                </a:solidFill>
+                <a:effectLst/>
+                <a:latin typeface="-apple-system"/>
+              </a:rPr>
+              <a:t> com guia sobre </a:t>
+            </a:r>
+            <a:r>
+              <a:rPr lang="pt-BR" b="0" i="0" dirty="0" err="1">
+                <a:solidFill>
+                  <a:srgbClr val="24292F"/>
+                </a:solidFill>
+                <a:effectLst/>
+                <a:latin typeface="-apple-system"/>
+              </a:rPr>
+              <a:t>PowerShell</a:t>
+            </a:r>
+            <a:r>
+              <a:rPr lang="pt-BR" b="0" i="0" dirty="0">
+                <a:solidFill>
+                  <a:srgbClr val="24292F"/>
+                </a:solidFill>
+                <a:effectLst/>
+                <a:latin typeface="-apple-system"/>
+              </a:rPr>
+              <a:t>: </a:t>
+            </a:r>
+            <a:r>
+              <a:rPr lang="pt-BR" b="0" i="0" u="none" strike="noStrike" dirty="0">
+                <a:solidFill>
+                  <a:srgbClr val="24292F"/>
+                </a:solidFill>
+                <a:effectLst/>
+                <a:latin typeface="-apple-system"/>
+                <a:hlinkClick r:id="rId8"/>
               </a:rPr>
               <a:t>https://github.com/danieldonda/PowerShell</a:t>
             </a:r>
@@ -4124,76 +4450,6 @@
               <a:solidFill>
                 <a:srgbClr val="24292F"/>
               </a:solidFill>
-              <a:latin typeface="-apple-system"/>
-            </a:endParaRPr>
-          </a:p>
-          <a:p>
-            <a:pPr algn="l">
-              <a:buFont typeface="Arial" panose="020B0604020202020204" pitchFamily="34" charset="0"/>
-              <a:buChar char="•"/>
-            </a:pPr>
-            <a:r>
-              <a:rPr lang="pt-BR" dirty="0">
-                <a:solidFill>
-                  <a:srgbClr val="24292F"/>
-                </a:solidFill>
-                <a:latin typeface="-apple-system"/>
-              </a:rPr>
-              <a:t>Meu Repositório </a:t>
-            </a:r>
-            <a:r>
-              <a:rPr lang="pt-BR" dirty="0" err="1">
-                <a:solidFill>
-                  <a:srgbClr val="24292F"/>
-                </a:solidFill>
-                <a:latin typeface="-apple-system"/>
-              </a:rPr>
-              <a:t>Qlik-Cli</a:t>
-            </a:r>
-            <a:r>
-              <a:rPr lang="pt-BR" dirty="0">
-                <a:solidFill>
-                  <a:srgbClr val="24292F"/>
-                </a:solidFill>
-                <a:latin typeface="-apple-system"/>
-              </a:rPr>
-              <a:t> no GitHub - </a:t>
-            </a:r>
-            <a:r>
-              <a:rPr lang="pt-BR" dirty="0">
-                <a:hlinkClick r:id="rId7"/>
-              </a:rPr>
-              <a:t>digaosss70/</a:t>
-            </a:r>
-            <a:r>
-              <a:rPr lang="pt-BR" dirty="0" err="1">
-                <a:hlinkClick r:id="rId7"/>
-              </a:rPr>
-              <a:t>Qlik-Cli</a:t>
-            </a:r>
-            <a:r>
-              <a:rPr lang="pt-BR" dirty="0">
-                <a:hlinkClick r:id="rId7"/>
-              </a:rPr>
-              <a:t>: Repositório sobre </a:t>
-            </a:r>
-            <a:r>
-              <a:rPr lang="pt-BR" dirty="0" err="1">
-                <a:hlinkClick r:id="rId7"/>
-              </a:rPr>
-              <a:t>Qlik-Cli</a:t>
-            </a:r>
-            <a:r>
-              <a:rPr lang="pt-BR" dirty="0">
-                <a:hlinkClick r:id="rId7"/>
-              </a:rPr>
-              <a:t> (github.com)</a:t>
-            </a:r>
-            <a:endParaRPr lang="pt-BR" b="0" i="0" dirty="0">
-              <a:solidFill>
-                <a:srgbClr val="24292F"/>
-              </a:solidFill>
-              <a:effectLst/>
               <a:latin typeface="-apple-system"/>
             </a:endParaRPr>
           </a:p>
@@ -4231,10 +4487,10 @@
       </p:grpSpPr>
       <p:sp>
         <p:nvSpPr>
-          <p:cNvPr id="10" name="CaixaDeTexto 9">
-            <a:extLst>
-              <a:ext uri="{FF2B5EF4-FFF2-40B4-BE49-F238E27FC236}">
-                <a16:creationId xmlns:a16="http://schemas.microsoft.com/office/drawing/2014/main" id="{38952EC5-1CB2-0121-3039-8CBDA0B801AE}"/>
+          <p:cNvPr id="2" name="CaixaDeTexto 1">
+            <a:extLst>
+              <a:ext uri="{FF2B5EF4-FFF2-40B4-BE49-F238E27FC236}">
+                <a16:creationId xmlns:a16="http://schemas.microsoft.com/office/drawing/2014/main" id="{A771A156-4D14-EB44-E0A8-5DDC603ADB4C}"/>
               </a:ext>
             </a:extLst>
           </p:cNvPr>
@@ -4259,33 +4515,17 @@
           <a:p>
             <a:r>
               <a:rPr lang="pt-BR" sz="4000" dirty="0"/>
-              <a:t>Primeiros Passos “</a:t>
-            </a:r>
-            <a:r>
-              <a:rPr lang="pt-BR" sz="4000" dirty="0" err="1"/>
-              <a:t>Logando</a:t>
-            </a:r>
-            <a:r>
-              <a:rPr lang="pt-BR" sz="4000" dirty="0"/>
-              <a:t>” no “</a:t>
-            </a:r>
-            <a:r>
-              <a:rPr lang="pt-BR" sz="4000" dirty="0" err="1"/>
-              <a:t>tenant</a:t>
-            </a:r>
-            <a:r>
-              <a:rPr lang="pt-BR" sz="4000" dirty="0"/>
-              <a:t>” (Ambiente)</a:t>
-            </a:r>
-          </a:p>
-        </p:txBody>
-      </p:sp>
-      <p:sp>
-        <p:nvSpPr>
-          <p:cNvPr id="12" name="CaixaDeTexto 11">
-            <a:extLst>
-              <a:ext uri="{FF2B5EF4-FFF2-40B4-BE49-F238E27FC236}">
-                <a16:creationId xmlns:a16="http://schemas.microsoft.com/office/drawing/2014/main" id="{96284F2F-1BC5-6C03-CF3D-F44572544078}"/>
+              <a:t>Instalação</a:t>
+            </a:r>
+          </a:p>
+        </p:txBody>
+      </p:sp>
+      <p:sp>
+        <p:nvSpPr>
+          <p:cNvPr id="6" name="CaixaDeTexto 5">
+            <a:extLst>
+              <a:ext uri="{FF2B5EF4-FFF2-40B4-BE49-F238E27FC236}">
+                <a16:creationId xmlns:a16="http://schemas.microsoft.com/office/drawing/2014/main" id="{1290855D-6FB6-2448-3040-E7D73734B1A6}"/>
               </a:ext>
             </a:extLst>
           </p:cNvPr>
@@ -4294,118 +4534,137 @@
         </p:nvSpPr>
         <p:spPr>
           <a:xfrm>
-            <a:off x="318051" y="1205948"/>
-            <a:ext cx="10853531" cy="1200329"/>
+            <a:off x="175971" y="872906"/>
+            <a:ext cx="10204174" cy="369332"/>
           </a:xfrm>
           <a:prstGeom prst="rect">
             <a:avLst/>
           </a:prstGeom>
-          <a:noFill/>
+          <a:solidFill>
+            <a:srgbClr val="00B050"/>
+          </a:solidFill>
         </p:spPr>
         <p:txBody>
-          <a:bodyPr wrap="square" rtlCol="0">
+          <a:bodyPr wrap="square">
             <a:spAutoFit/>
           </a:bodyPr>
           <a:lstStyle/>
           <a:p>
-            <a:r>
-              <a:rPr lang="pt-BR" dirty="0"/>
-              <a:t>Após instalar é necessário “</a:t>
-            </a:r>
-            <a:r>
-              <a:rPr lang="pt-BR" dirty="0" err="1"/>
-              <a:t>logar</a:t>
-            </a:r>
-            <a:r>
-              <a:rPr lang="pt-BR" dirty="0"/>
-              <a:t>” no “</a:t>
-            </a:r>
-            <a:r>
-              <a:rPr lang="pt-BR" dirty="0" err="1"/>
-              <a:t>tenant</a:t>
-            </a:r>
-            <a:r>
-              <a:rPr lang="pt-BR" dirty="0"/>
-              <a:t>” desejado, para isso é necessário saber a </a:t>
-            </a:r>
-            <a:r>
-              <a:rPr lang="pt-BR" dirty="0" err="1"/>
-              <a:t>url</a:t>
-            </a:r>
-            <a:r>
-              <a:rPr lang="pt-BR" dirty="0"/>
-              <a:t> e chave:</a:t>
-            </a:r>
-          </a:p>
-          <a:p>
-            <a:endParaRPr lang="pt-BR" dirty="0"/>
-          </a:p>
-          <a:p>
-            <a:r>
-              <a:rPr lang="pt-BR" dirty="0"/>
-              <a:t>	Acesse seu </a:t>
-            </a:r>
-            <a:r>
-              <a:rPr lang="pt-BR" dirty="0" err="1"/>
-              <a:t>Qlik-Saas</a:t>
-            </a:r>
-            <a:r>
-              <a:rPr lang="pt-BR" dirty="0"/>
-              <a:t> &gt; Acesse seu perfil &gt; Configurações de Perfil &gt; Chaves de </a:t>
-            </a:r>
-            <a:r>
-              <a:rPr lang="pt-BR" dirty="0" err="1"/>
-              <a:t>Api</a:t>
-            </a:r>
-            <a:r>
-              <a:rPr lang="pt-BR" dirty="0"/>
-              <a:t>:</a:t>
-            </a:r>
-          </a:p>
-          <a:p>
-            <a:r>
-              <a:rPr lang="pt-BR" dirty="0"/>
-              <a:t>		Gere uma nova chave e salve em um lugar seguro.</a:t>
-            </a:r>
+            <a:pPr algn="l">
+              <a:buFont typeface="Arial" panose="020B0604020202020204" pitchFamily="34" charset="0"/>
+              <a:buChar char="•"/>
+            </a:pPr>
+            <a:r>
+              <a:rPr lang="pt-BR" b="1" i="0" dirty="0" err="1">
+                <a:solidFill>
+                  <a:schemeClr val="bg1"/>
+                </a:solidFill>
+                <a:effectLst/>
+                <a:latin typeface="-apple-system"/>
+              </a:rPr>
+              <a:t>Chocolatey</a:t>
+            </a:r>
+            <a:r>
+              <a:rPr lang="pt-BR" b="0" i="0" dirty="0">
+                <a:solidFill>
+                  <a:schemeClr val="bg1"/>
+                </a:solidFill>
+                <a:effectLst/>
+                <a:latin typeface="-apple-system"/>
+              </a:rPr>
+              <a:t> Instalação: </a:t>
+            </a:r>
+            <a:r>
+              <a:rPr lang="pt-BR" dirty="0" err="1">
+                <a:solidFill>
+                  <a:srgbClr val="0563C1"/>
+                </a:solidFill>
+                <a:hlinkClick r:id="rId2">
+                  <a:extLst>
+                    <a:ext uri="{A12FA001-AC4F-418D-AE19-62706E023703}">
+                      <ahyp:hlinkClr xmlns:ahyp="http://schemas.microsoft.com/office/drawing/2018/hyperlinkcolor" val="tx"/>
+                    </a:ext>
+                  </a:extLst>
+                </a:hlinkClick>
+              </a:rPr>
+              <a:t>Chocolatey</a:t>
+            </a:r>
+            <a:r>
+              <a:rPr lang="pt-BR" dirty="0">
+                <a:solidFill>
+                  <a:srgbClr val="0563C1"/>
+                </a:solidFill>
+                <a:hlinkClick r:id="rId2">
+                  <a:extLst>
+                    <a:ext uri="{A12FA001-AC4F-418D-AE19-62706E023703}">
+                      <ahyp:hlinkClr xmlns:ahyp="http://schemas.microsoft.com/office/drawing/2018/hyperlinkcolor" val="tx"/>
+                    </a:ext>
+                  </a:extLst>
+                </a:hlinkClick>
+              </a:rPr>
+              <a:t> Software | </a:t>
+            </a:r>
+            <a:r>
+              <a:rPr lang="pt-BR" dirty="0" err="1">
+                <a:solidFill>
+                  <a:srgbClr val="0563C1"/>
+                </a:solidFill>
+                <a:hlinkClick r:id="rId2">
+                  <a:extLst>
+                    <a:ext uri="{A12FA001-AC4F-418D-AE19-62706E023703}">
+                      <ahyp:hlinkClr xmlns:ahyp="http://schemas.microsoft.com/office/drawing/2018/hyperlinkcolor" val="tx"/>
+                    </a:ext>
+                  </a:extLst>
+                </a:hlinkClick>
+              </a:rPr>
+              <a:t>Installing</a:t>
+            </a:r>
+            <a:r>
+              <a:rPr lang="pt-BR" dirty="0">
+                <a:solidFill>
+                  <a:srgbClr val="0563C1"/>
+                </a:solidFill>
+                <a:hlinkClick r:id="rId2">
+                  <a:extLst>
+                    <a:ext uri="{A12FA001-AC4F-418D-AE19-62706E023703}">
+                      <ahyp:hlinkClr xmlns:ahyp="http://schemas.microsoft.com/office/drawing/2018/hyperlinkcolor" val="tx"/>
+                    </a:ext>
+                  </a:extLst>
+                </a:hlinkClick>
+              </a:rPr>
+              <a:t> </a:t>
+            </a:r>
+            <a:r>
+              <a:rPr lang="pt-BR" dirty="0" err="1">
+                <a:solidFill>
+                  <a:schemeClr val="bg1"/>
+                </a:solidFill>
+                <a:hlinkClick r:id="rId2">
+                  <a:extLst>
+                    <a:ext uri="{A12FA001-AC4F-418D-AE19-62706E023703}">
+                      <ahyp:hlinkClr xmlns:ahyp="http://schemas.microsoft.com/office/drawing/2018/hyperlinkcolor" val="tx"/>
+                    </a:ext>
+                  </a:extLst>
+                </a:hlinkClick>
+              </a:rPr>
+              <a:t>Chocolatey</a:t>
+            </a:r>
+            <a:endParaRPr lang="pt-BR" b="0" i="0" dirty="0">
+              <a:solidFill>
+                <a:schemeClr val="bg1"/>
+              </a:solidFill>
+              <a:effectLst/>
+              <a:latin typeface="-apple-system"/>
+            </a:endParaRPr>
           </a:p>
         </p:txBody>
       </p:sp>
       <p:pic>
         <p:nvPicPr>
-          <p:cNvPr id="14" name="Imagem 13">
-            <a:extLst>
-              <a:ext uri="{FF2B5EF4-FFF2-40B4-BE49-F238E27FC236}">
-                <a16:creationId xmlns:a16="http://schemas.microsoft.com/office/drawing/2014/main" id="{59E96DB8-8BC9-7805-7E72-4903C0A87E0F}"/>
-              </a:ext>
-            </a:extLst>
-          </p:cNvPr>
-          <p:cNvPicPr>
-            <a:picLocks noChangeAspect="1"/>
-          </p:cNvPicPr>
-          <p:nvPr/>
-        </p:nvPicPr>
-        <p:blipFill>
-          <a:blip r:embed="rId2"/>
-          <a:stretch>
-            <a:fillRect/>
-          </a:stretch>
-        </p:blipFill>
-        <p:spPr>
-          <a:xfrm>
-            <a:off x="357807" y="2439703"/>
-            <a:ext cx="2562225" cy="714375"/>
-          </a:xfrm>
-          <a:prstGeom prst="rect">
-            <a:avLst/>
-          </a:prstGeom>
-        </p:spPr>
-      </p:pic>
-      <p:pic>
-        <p:nvPicPr>
-          <p:cNvPr id="18" name="Imagem 17">
-            <a:extLst>
-              <a:ext uri="{FF2B5EF4-FFF2-40B4-BE49-F238E27FC236}">
-                <a16:creationId xmlns:a16="http://schemas.microsoft.com/office/drawing/2014/main" id="{4CCCDBD3-BA21-9AEF-4AD8-5E25DB2E6D7A}"/>
+          <p:cNvPr id="8" name="Imagem 7">
+            <a:extLst>
+              <a:ext uri="{FF2B5EF4-FFF2-40B4-BE49-F238E27FC236}">
+                <a16:creationId xmlns:a16="http://schemas.microsoft.com/office/drawing/2014/main" id="{D63220F5-B73A-6F90-06B1-B72BE5ACCD29}"/>
               </a:ext>
             </a:extLst>
           </p:cNvPr>
@@ -4422,8 +4681,8 @@
         </p:blipFill>
         <p:spPr>
           <a:xfrm>
-            <a:off x="962611" y="3154078"/>
-            <a:ext cx="7143750" cy="1895475"/>
+            <a:off x="494922" y="1242238"/>
+            <a:ext cx="10925175" cy="1200150"/>
           </a:xfrm>
           <a:prstGeom prst="rect">
             <a:avLst/>
@@ -4432,10 +4691,10 @@
       </p:pic>
       <p:pic>
         <p:nvPicPr>
-          <p:cNvPr id="20" name="Imagem 19">
-            <a:extLst>
-              <a:ext uri="{FF2B5EF4-FFF2-40B4-BE49-F238E27FC236}">
-                <a16:creationId xmlns:a16="http://schemas.microsoft.com/office/drawing/2014/main" id="{52043216-0434-1396-F678-1CCF85190DD2}"/>
+          <p:cNvPr id="12" name="Imagem 11">
+            <a:extLst>
+              <a:ext uri="{FF2B5EF4-FFF2-40B4-BE49-F238E27FC236}">
+                <a16:creationId xmlns:a16="http://schemas.microsoft.com/office/drawing/2014/main" id="{54CEDF61-8D9E-CBCA-64A7-B8B6C94A67E5}"/>
               </a:ext>
             </a:extLst>
           </p:cNvPr>
@@ -4452,64 +4711,50 @@
         </p:blipFill>
         <p:spPr>
           <a:xfrm>
-            <a:off x="4970493" y="4106792"/>
-            <a:ext cx="7115175" cy="2619375"/>
+            <a:off x="0" y="2495974"/>
+            <a:ext cx="12192000" cy="622685"/>
           </a:xfrm>
           <a:prstGeom prst="rect">
             <a:avLst/>
           </a:prstGeom>
         </p:spPr>
       </p:pic>
-      <p:sp>
-        <p:nvSpPr>
-          <p:cNvPr id="22" name="CaixaDeTexto 21">
-            <a:extLst>
-              <a:ext uri="{FF2B5EF4-FFF2-40B4-BE49-F238E27FC236}">
-                <a16:creationId xmlns:a16="http://schemas.microsoft.com/office/drawing/2014/main" id="{02336016-8C26-4848-D0D2-0EA4DE9A6AEE}"/>
-              </a:ext>
-            </a:extLst>
-          </p:cNvPr>
-          <p:cNvSpPr txBox="1"/>
+      <p:pic>
+        <p:nvPicPr>
+          <p:cNvPr id="14" name="Imagem 13">
+            <a:extLst>
+              <a:ext uri="{FF2B5EF4-FFF2-40B4-BE49-F238E27FC236}">
+                <a16:creationId xmlns:a16="http://schemas.microsoft.com/office/drawing/2014/main" id="{41C8023B-3A06-928E-77B4-649E2E3475C3}"/>
+              </a:ext>
+            </a:extLst>
+          </p:cNvPr>
+          <p:cNvPicPr>
+            <a:picLocks noChangeAspect="1"/>
+          </p:cNvPicPr>
           <p:nvPr/>
-        </p:nvSpPr>
+        </p:nvPicPr>
+        <p:blipFill>
+          <a:blip r:embed="rId5"/>
+          <a:stretch>
+            <a:fillRect/>
+          </a:stretch>
+        </p:blipFill>
         <p:spPr>
           <a:xfrm>
-            <a:off x="39755" y="2439703"/>
-            <a:ext cx="318052" cy="369332"/>
+            <a:off x="309392" y="3771405"/>
+            <a:ext cx="3429000" cy="323850"/>
           </a:xfrm>
           <a:prstGeom prst="rect">
             <a:avLst/>
           </a:prstGeom>
-          <a:noFill/>
-          <a:ln w="28575">
-            <a:solidFill>
-              <a:srgbClr val="FF0000"/>
-            </a:solidFill>
-          </a:ln>
         </p:spPr>
-        <p:txBody>
-          <a:bodyPr wrap="square" rtlCol="0">
-            <a:spAutoFit/>
-          </a:bodyPr>
-          <a:lstStyle/>
-          <a:p>
-            <a:r>
-              <a:rPr lang="pt-BR" b="1" dirty="0">
-                <a:solidFill>
-                  <a:srgbClr val="FF0000"/>
-                </a:solidFill>
-              </a:rPr>
-              <a:t>1</a:t>
-            </a:r>
-          </a:p>
-        </p:txBody>
-      </p:sp>
-      <p:sp>
-        <p:nvSpPr>
-          <p:cNvPr id="23" name="CaixaDeTexto 22">
-            <a:extLst>
-              <a:ext uri="{FF2B5EF4-FFF2-40B4-BE49-F238E27FC236}">
-                <a16:creationId xmlns:a16="http://schemas.microsoft.com/office/drawing/2014/main" id="{05354D65-20E5-D466-6F63-1F9E98455023}"/>
+      </p:pic>
+      <p:sp>
+        <p:nvSpPr>
+          <p:cNvPr id="15" name="CaixaDeTexto 14">
+            <a:extLst>
+              <a:ext uri="{FF2B5EF4-FFF2-40B4-BE49-F238E27FC236}">
+                <a16:creationId xmlns:a16="http://schemas.microsoft.com/office/drawing/2014/main" id="{46182CE8-8ABB-DD0E-446C-9A1360F32E45}"/>
               </a:ext>
             </a:extLst>
           </p:cNvPr>
@@ -4518,86 +4763,97 @@
         </p:nvSpPr>
         <p:spPr>
           <a:xfrm>
-            <a:off x="626509" y="3187504"/>
-            <a:ext cx="318052" cy="369332"/>
+            <a:off x="175971" y="3347038"/>
+            <a:ext cx="10204174" cy="369332"/>
           </a:xfrm>
           <a:prstGeom prst="rect">
             <a:avLst/>
           </a:prstGeom>
-          <a:noFill/>
-          <a:ln w="28575">
-            <a:solidFill>
-              <a:srgbClr val="FF0000"/>
-            </a:solidFill>
-          </a:ln>
+          <a:solidFill>
+            <a:srgbClr val="00B050"/>
+          </a:solidFill>
         </p:spPr>
         <p:txBody>
-          <a:bodyPr wrap="square" rtlCol="0">
+          <a:bodyPr wrap="square">
             <a:spAutoFit/>
           </a:bodyPr>
-          <a:lstStyle/>
-          <a:p>
-            <a:r>
-              <a:rPr lang="pt-BR" b="1" dirty="0">
-                <a:solidFill>
-                  <a:srgbClr val="FF0000"/>
-                </a:solidFill>
-              </a:rPr>
-              <a:t>2</a:t>
-            </a:r>
-          </a:p>
-        </p:txBody>
-      </p:sp>
-      <p:sp>
-        <p:nvSpPr>
-          <p:cNvPr id="24" name="CaixaDeTexto 23">
-            <a:extLst>
-              <a:ext uri="{FF2B5EF4-FFF2-40B4-BE49-F238E27FC236}">
-                <a16:creationId xmlns:a16="http://schemas.microsoft.com/office/drawing/2014/main" id="{20795D0A-09ED-47BC-62EF-37D94471C273}"/>
-              </a:ext>
-            </a:extLst>
-          </p:cNvPr>
-          <p:cNvSpPr txBox="1"/>
+          <a:lstStyle>
+            <a:defPPr>
+              <a:defRPr lang="pt-BR"/>
+            </a:defPPr>
+            <a:lvl1pPr>
+              <a:buFont typeface="Arial" panose="020B0604020202020204" pitchFamily="34" charset="0"/>
+              <a:buChar char="•"/>
+              <a:defRPr b="1" i="0">
+                <a:solidFill>
+                  <a:schemeClr val="bg1"/>
+                </a:solidFill>
+                <a:effectLst/>
+                <a:latin typeface="-apple-system"/>
+              </a:defRPr>
+            </a:lvl1pPr>
+          </a:lstStyle>
+          <a:p>
+            <a:r>
+              <a:rPr lang="pt-BR" dirty="0" err="1"/>
+              <a:t>Qlik-cli</a:t>
+            </a:r>
+            <a:r>
+              <a:rPr lang="pt-BR" dirty="0"/>
+              <a:t> Instalação: choco </a:t>
+            </a:r>
+            <a:r>
+              <a:rPr lang="pt-BR" dirty="0" err="1"/>
+              <a:t>install</a:t>
+            </a:r>
+            <a:r>
+              <a:rPr lang="pt-BR" dirty="0"/>
+              <a:t> </a:t>
+            </a:r>
+            <a:r>
+              <a:rPr lang="pt-BR" dirty="0" err="1"/>
+              <a:t>qlik-cli</a:t>
+            </a:r>
+            <a:endParaRPr lang="pt-BR" dirty="0"/>
+          </a:p>
+        </p:txBody>
+      </p:sp>
+      <p:pic>
+        <p:nvPicPr>
+          <p:cNvPr id="17" name="Imagem 16">
+            <a:extLst>
+              <a:ext uri="{FF2B5EF4-FFF2-40B4-BE49-F238E27FC236}">
+                <a16:creationId xmlns:a16="http://schemas.microsoft.com/office/drawing/2014/main" id="{51241AC7-7357-68DB-F114-4BDD9532EA19}"/>
+              </a:ext>
+            </a:extLst>
+          </p:cNvPr>
+          <p:cNvPicPr>
+            <a:picLocks noChangeAspect="1"/>
+          </p:cNvPicPr>
           <p:nvPr/>
-        </p:nvSpPr>
+        </p:nvPicPr>
+        <p:blipFill>
+          <a:blip r:embed="rId6"/>
+          <a:stretch>
+            <a:fillRect/>
+          </a:stretch>
+        </p:blipFill>
         <p:spPr>
           <a:xfrm>
-            <a:off x="6454736" y="4101815"/>
-            <a:ext cx="318052" cy="369332"/>
+            <a:off x="309392" y="4943939"/>
+            <a:ext cx="5353050" cy="1800225"/>
           </a:xfrm>
           <a:prstGeom prst="rect">
             <a:avLst/>
           </a:prstGeom>
-          <a:noFill/>
-          <a:ln w="28575">
-            <a:solidFill>
-              <a:srgbClr val="FF0000"/>
-            </a:solidFill>
-          </a:ln>
         </p:spPr>
-        <p:txBody>
-          <a:bodyPr wrap="square" rtlCol="0">
-            <a:spAutoFit/>
-          </a:bodyPr>
-          <a:lstStyle/>
-          <a:p>
-            <a:r>
-              <a:rPr lang="pt-BR" b="1" dirty="0">
-                <a:solidFill>
-                  <a:srgbClr val="FF0000"/>
-                </a:solidFill>
-              </a:rPr>
-              <a:t>3</a:t>
-            </a:r>
-          </a:p>
-        </p:txBody>
-      </p:sp>
-      <p:sp>
-        <p:nvSpPr>
-          <p:cNvPr id="25" name="CaixaDeTexto 24">
-            <a:extLst>
-              <a:ext uri="{FF2B5EF4-FFF2-40B4-BE49-F238E27FC236}">
-                <a16:creationId xmlns:a16="http://schemas.microsoft.com/office/drawing/2014/main" id="{58BC897F-D318-617F-A0F7-DB4A8C12AB03}"/>
+      </p:pic>
+      <p:sp>
+        <p:nvSpPr>
+          <p:cNvPr id="18" name="CaixaDeTexto 17">
+            <a:extLst>
+              <a:ext uri="{FF2B5EF4-FFF2-40B4-BE49-F238E27FC236}">
+                <a16:creationId xmlns:a16="http://schemas.microsoft.com/office/drawing/2014/main" id="{108DB891-5E51-730F-8DD5-64FA02B369CF}"/>
               </a:ext>
             </a:extLst>
           </p:cNvPr>
@@ -4606,44 +4862,48 @@
         </p:nvSpPr>
         <p:spPr>
           <a:xfrm>
-            <a:off x="106332" y="5276639"/>
-            <a:ext cx="4704207" cy="923330"/>
+            <a:off x="175971" y="4531744"/>
+            <a:ext cx="10204174" cy="369332"/>
           </a:xfrm>
           <a:prstGeom prst="rect">
             <a:avLst/>
           </a:prstGeom>
-          <a:noFill/>
-          <a:ln w="38100">
-            <a:solidFill>
-              <a:srgbClr val="0070C0"/>
-            </a:solidFill>
-          </a:ln>
+          <a:solidFill>
+            <a:srgbClr val="00B050"/>
+          </a:solidFill>
         </p:spPr>
         <p:txBody>
-          <a:bodyPr wrap="square" rtlCol="0">
+          <a:bodyPr wrap="square">
             <a:spAutoFit/>
           </a:bodyPr>
-          <a:lstStyle/>
-          <a:p>
-            <a:r>
-              <a:rPr lang="pt-BR" dirty="0">
+          <a:lstStyle>
+            <a:defPPr>
+              <a:defRPr lang="pt-BR"/>
+            </a:defPPr>
+            <a:lvl1pPr>
+              <a:buFont typeface="Arial" panose="020B0604020202020204" pitchFamily="34" charset="0"/>
+              <a:buChar char="•"/>
+              <a:defRPr b="1" i="0">
                 <a:solidFill>
                   <a:schemeClr val="bg1"/>
                 </a:solidFill>
-                <a:highlight>
-                  <a:srgbClr val="0000FF"/>
-                </a:highlight>
-              </a:rPr>
-              <a:t>Comando(s) Usado(s) aqui:</a:t>
-            </a:r>
-          </a:p>
-          <a:p>
-            <a:endParaRPr lang="pt-BR" dirty="0"/>
-          </a:p>
+                <a:effectLst/>
+                <a:latin typeface="-apple-system"/>
+              </a:defRPr>
+            </a:lvl1pPr>
+          </a:lstStyle>
           <a:p>
             <a:r>
               <a:rPr lang="pt-BR" dirty="0" err="1"/>
-              <a:t>qlik</a:t>
+              <a:t>Jq</a:t>
+            </a:r>
+            <a:r>
+              <a:rPr lang="pt-BR" dirty="0"/>
+              <a:t> Instalação: choco </a:t>
+            </a:r>
+            <a:r>
+              <a:rPr lang="pt-BR" dirty="0" err="1"/>
+              <a:t>install</a:t>
             </a:r>
             <a:r>
               <a:rPr lang="pt-BR" dirty="0"/>
@@ -4651,27 +4911,46 @@
             </a:r>
             <a:r>
               <a:rPr lang="pt-BR" dirty="0" err="1"/>
-              <a:t>context</a:t>
-            </a:r>
-            <a:r>
-              <a:rPr lang="pt-BR" dirty="0"/>
-              <a:t> </a:t>
-            </a:r>
-            <a:r>
-              <a:rPr lang="pt-BR" dirty="0" err="1"/>
-              <a:t>init</a:t>
-            </a:r>
-            <a:r>
-              <a:rPr lang="pt-BR" dirty="0"/>
-              <a:t>	</a:t>
-            </a:r>
-          </a:p>
-        </p:txBody>
-      </p:sp>
+              <a:t>jq</a:t>
+            </a:r>
+            <a:endParaRPr lang="pt-BR" dirty="0"/>
+          </a:p>
+        </p:txBody>
+      </p:sp>
+      <p:pic>
+        <p:nvPicPr>
+          <p:cNvPr id="22" name="Imagem 21">
+            <a:extLst>
+              <a:ext uri="{FF2B5EF4-FFF2-40B4-BE49-F238E27FC236}">
+                <a16:creationId xmlns:a16="http://schemas.microsoft.com/office/drawing/2014/main" id="{123C86B9-B592-FB7E-7322-13DEBFA42E19}"/>
+              </a:ext>
+            </a:extLst>
+          </p:cNvPr>
+          <p:cNvPicPr>
+            <a:picLocks noChangeAspect="1"/>
+          </p:cNvPicPr>
+          <p:nvPr/>
+        </p:nvPicPr>
+        <p:blipFill>
+          <a:blip r:embed="rId7"/>
+          <a:stretch>
+            <a:fillRect/>
+          </a:stretch>
+        </p:blipFill>
+        <p:spPr>
+          <a:xfrm>
+            <a:off x="5764696" y="4901076"/>
+            <a:ext cx="4876800" cy="1885950"/>
+          </a:xfrm>
+          <a:prstGeom prst="rect">
+            <a:avLst/>
+          </a:prstGeom>
+        </p:spPr>
+      </p:pic>
     </p:spTree>
     <p:extLst>
       <p:ext uri="{BB962C8B-B14F-4D97-AF65-F5344CB8AC3E}">
-        <p14:creationId xmlns:p14="http://schemas.microsoft.com/office/powerpoint/2010/main" val="3861360314"/>
+        <p14:creationId xmlns:p14="http://schemas.microsoft.com/office/powerpoint/2010/main" val="405508154"/>
       </p:ext>
     </p:extLst>
   </p:cSld>
@@ -4700,10 +4979,10 @@
       </p:grpSpPr>
       <p:sp>
         <p:nvSpPr>
-          <p:cNvPr id="10" name="CaixaDeTexto 9">
-            <a:extLst>
-              <a:ext uri="{FF2B5EF4-FFF2-40B4-BE49-F238E27FC236}">
-                <a16:creationId xmlns:a16="http://schemas.microsoft.com/office/drawing/2014/main" id="{38952EC5-1CB2-0121-3039-8CBDA0B801AE}"/>
+          <p:cNvPr id="2" name="CaixaDeTexto 1">
+            <a:extLst>
+              <a:ext uri="{FF2B5EF4-FFF2-40B4-BE49-F238E27FC236}">
+                <a16:creationId xmlns:a16="http://schemas.microsoft.com/office/drawing/2014/main" id="{A771A156-4D14-EB44-E0A8-5DDC603ADB4C}"/>
               </a:ext>
             </a:extLst>
           </p:cNvPr>
@@ -4728,6 +5007,1169 @@
           <a:p>
             <a:r>
               <a:rPr lang="pt-BR" sz="4000" dirty="0"/>
+              <a:t>Ferramentas</a:t>
+            </a:r>
+          </a:p>
+        </p:txBody>
+      </p:sp>
+      <p:sp>
+        <p:nvSpPr>
+          <p:cNvPr id="6" name="CaixaDeTexto 5">
+            <a:extLst>
+              <a:ext uri="{FF2B5EF4-FFF2-40B4-BE49-F238E27FC236}">
+                <a16:creationId xmlns:a16="http://schemas.microsoft.com/office/drawing/2014/main" id="{1290855D-6FB6-2448-3040-E7D73734B1A6}"/>
+              </a:ext>
+            </a:extLst>
+          </p:cNvPr>
+          <p:cNvSpPr txBox="1"/>
+          <p:nvPr/>
+        </p:nvSpPr>
+        <p:spPr>
+          <a:xfrm>
+            <a:off x="175971" y="872906"/>
+            <a:ext cx="10204174" cy="369332"/>
+          </a:xfrm>
+          <a:prstGeom prst="rect">
+            <a:avLst/>
+          </a:prstGeom>
+          <a:solidFill>
+            <a:srgbClr val="00B050"/>
+          </a:solidFill>
+        </p:spPr>
+        <p:txBody>
+          <a:bodyPr wrap="square">
+            <a:spAutoFit/>
+          </a:bodyPr>
+          <a:lstStyle/>
+          <a:p>
+            <a:pPr algn="l">
+              <a:buFont typeface="Arial" panose="020B0604020202020204" pitchFamily="34" charset="0"/>
+              <a:buChar char="•"/>
+            </a:pPr>
+            <a:r>
+              <a:rPr lang="pt-BR" b="1" i="0" dirty="0">
+                <a:solidFill>
+                  <a:schemeClr val="bg1"/>
+                </a:solidFill>
+                <a:effectLst/>
+                <a:latin typeface="-apple-system"/>
+              </a:rPr>
+              <a:t>CMD</a:t>
+            </a:r>
+            <a:endParaRPr lang="pt-BR" b="0" i="0" dirty="0">
+              <a:solidFill>
+                <a:schemeClr val="bg1"/>
+              </a:solidFill>
+              <a:effectLst/>
+              <a:latin typeface="-apple-system"/>
+            </a:endParaRPr>
+          </a:p>
+        </p:txBody>
+      </p:sp>
+      <p:sp>
+        <p:nvSpPr>
+          <p:cNvPr id="15" name="CaixaDeTexto 14">
+            <a:extLst>
+              <a:ext uri="{FF2B5EF4-FFF2-40B4-BE49-F238E27FC236}">
+                <a16:creationId xmlns:a16="http://schemas.microsoft.com/office/drawing/2014/main" id="{46182CE8-8ABB-DD0E-446C-9A1360F32E45}"/>
+              </a:ext>
+            </a:extLst>
+          </p:cNvPr>
+          <p:cNvSpPr txBox="1"/>
+          <p:nvPr/>
+        </p:nvSpPr>
+        <p:spPr>
+          <a:xfrm>
+            <a:off x="175971" y="3207845"/>
+            <a:ext cx="10204174" cy="369332"/>
+          </a:xfrm>
+          <a:prstGeom prst="rect">
+            <a:avLst/>
+          </a:prstGeom>
+          <a:solidFill>
+            <a:srgbClr val="00B050"/>
+          </a:solidFill>
+        </p:spPr>
+        <p:txBody>
+          <a:bodyPr wrap="square">
+            <a:spAutoFit/>
+          </a:bodyPr>
+          <a:lstStyle>
+            <a:defPPr>
+              <a:defRPr lang="pt-BR"/>
+            </a:defPPr>
+            <a:lvl1pPr>
+              <a:buFont typeface="Arial" panose="020B0604020202020204" pitchFamily="34" charset="0"/>
+              <a:buChar char="•"/>
+              <a:defRPr b="1" i="0">
+                <a:solidFill>
+                  <a:schemeClr val="bg1"/>
+                </a:solidFill>
+                <a:effectLst/>
+                <a:latin typeface="-apple-system"/>
+              </a:defRPr>
+            </a:lvl1pPr>
+          </a:lstStyle>
+          <a:p>
+            <a:r>
+              <a:rPr lang="pt-BR" dirty="0" err="1"/>
+              <a:t>PowerShell</a:t>
+            </a:r>
+            <a:endParaRPr lang="pt-BR" dirty="0"/>
+          </a:p>
+        </p:txBody>
+      </p:sp>
+      <p:sp>
+        <p:nvSpPr>
+          <p:cNvPr id="18" name="CaixaDeTexto 17">
+            <a:extLst>
+              <a:ext uri="{FF2B5EF4-FFF2-40B4-BE49-F238E27FC236}">
+                <a16:creationId xmlns:a16="http://schemas.microsoft.com/office/drawing/2014/main" id="{108DB891-5E51-730F-8DD5-64FA02B369CF}"/>
+              </a:ext>
+            </a:extLst>
+          </p:cNvPr>
+          <p:cNvSpPr txBox="1"/>
+          <p:nvPr/>
+        </p:nvSpPr>
+        <p:spPr>
+          <a:xfrm>
+            <a:off x="175971" y="4595038"/>
+            <a:ext cx="10204174" cy="369332"/>
+          </a:xfrm>
+          <a:prstGeom prst="rect">
+            <a:avLst/>
+          </a:prstGeom>
+          <a:solidFill>
+            <a:srgbClr val="00B050"/>
+          </a:solidFill>
+        </p:spPr>
+        <p:txBody>
+          <a:bodyPr wrap="square">
+            <a:spAutoFit/>
+          </a:bodyPr>
+          <a:lstStyle>
+            <a:defPPr>
+              <a:defRPr lang="pt-BR"/>
+            </a:defPPr>
+            <a:lvl1pPr>
+              <a:buFont typeface="Arial" panose="020B0604020202020204" pitchFamily="34" charset="0"/>
+              <a:buChar char="•"/>
+              <a:defRPr b="1" i="0">
+                <a:solidFill>
+                  <a:schemeClr val="bg1"/>
+                </a:solidFill>
+                <a:effectLst/>
+                <a:latin typeface="-apple-system"/>
+              </a:defRPr>
+            </a:lvl1pPr>
+          </a:lstStyle>
+          <a:p>
+            <a:r>
+              <a:rPr lang="pt-BR" dirty="0" err="1"/>
+              <a:t>PowerShell</a:t>
+            </a:r>
+            <a:r>
+              <a:rPr lang="pt-BR" dirty="0"/>
+              <a:t> ISE</a:t>
+            </a:r>
+          </a:p>
+        </p:txBody>
+      </p:sp>
+      <p:pic>
+        <p:nvPicPr>
+          <p:cNvPr id="4" name="Imagem 3">
+            <a:extLst>
+              <a:ext uri="{FF2B5EF4-FFF2-40B4-BE49-F238E27FC236}">
+                <a16:creationId xmlns:a16="http://schemas.microsoft.com/office/drawing/2014/main" id="{30A9F7E9-A85B-A0E1-26EC-AF24892B9577}"/>
+              </a:ext>
+            </a:extLst>
+          </p:cNvPr>
+          <p:cNvPicPr>
+            <a:picLocks noChangeAspect="1"/>
+          </p:cNvPicPr>
+          <p:nvPr/>
+        </p:nvPicPr>
+        <p:blipFill>
+          <a:blip r:embed="rId2"/>
+          <a:stretch>
+            <a:fillRect/>
+          </a:stretch>
+        </p:blipFill>
+        <p:spPr>
+          <a:xfrm>
+            <a:off x="435665" y="1342259"/>
+            <a:ext cx="7239000" cy="1695450"/>
+          </a:xfrm>
+          <a:prstGeom prst="rect">
+            <a:avLst/>
+          </a:prstGeom>
+        </p:spPr>
+      </p:pic>
+      <p:pic>
+        <p:nvPicPr>
+          <p:cNvPr id="7" name="Imagem 6">
+            <a:extLst>
+              <a:ext uri="{FF2B5EF4-FFF2-40B4-BE49-F238E27FC236}">
+                <a16:creationId xmlns:a16="http://schemas.microsoft.com/office/drawing/2014/main" id="{F9D1D18F-1052-FC8B-17B4-2FA70127D998}"/>
+              </a:ext>
+            </a:extLst>
+          </p:cNvPr>
+          <p:cNvPicPr>
+            <a:picLocks noChangeAspect="1"/>
+          </p:cNvPicPr>
+          <p:nvPr/>
+        </p:nvPicPr>
+        <p:blipFill>
+          <a:blip r:embed="rId3"/>
+          <a:stretch>
+            <a:fillRect/>
+          </a:stretch>
+        </p:blipFill>
+        <p:spPr>
+          <a:xfrm>
+            <a:off x="435665" y="3699157"/>
+            <a:ext cx="6296025" cy="628650"/>
+          </a:xfrm>
+          <a:prstGeom prst="rect">
+            <a:avLst/>
+          </a:prstGeom>
+        </p:spPr>
+      </p:pic>
+      <p:pic>
+        <p:nvPicPr>
+          <p:cNvPr id="10" name="Imagem 9">
+            <a:extLst>
+              <a:ext uri="{FF2B5EF4-FFF2-40B4-BE49-F238E27FC236}">
+                <a16:creationId xmlns:a16="http://schemas.microsoft.com/office/drawing/2014/main" id="{59F9A93C-667B-A526-10FD-EA5A2A4B3F61}"/>
+              </a:ext>
+            </a:extLst>
+          </p:cNvPr>
+          <p:cNvPicPr>
+            <a:picLocks noChangeAspect="1"/>
+          </p:cNvPicPr>
+          <p:nvPr/>
+        </p:nvPicPr>
+        <p:blipFill>
+          <a:blip r:embed="rId4"/>
+          <a:stretch>
+            <a:fillRect/>
+          </a:stretch>
+        </p:blipFill>
+        <p:spPr>
+          <a:xfrm>
+            <a:off x="435665" y="5086350"/>
+            <a:ext cx="6943725" cy="1771650"/>
+          </a:xfrm>
+          <a:prstGeom prst="rect">
+            <a:avLst/>
+          </a:prstGeom>
+        </p:spPr>
+      </p:pic>
+    </p:spTree>
+    <p:extLst>
+      <p:ext uri="{BB962C8B-B14F-4D97-AF65-F5344CB8AC3E}">
+        <p14:creationId xmlns:p14="http://schemas.microsoft.com/office/powerpoint/2010/main" val="2551532246"/>
+      </p:ext>
+    </p:extLst>
+  </p:cSld>
+  <p:clrMapOvr>
+    <a:masterClrMapping/>
+  </p:clrMapOvr>
+</p:sld>
+</file>
+
+<file path=ppt/slides/slide5.xml><?xml version="1.0" encoding="utf-8"?>
+<p:sld xmlns:a="http://schemas.openxmlformats.org/drawingml/2006/main" xmlns:r="http://schemas.openxmlformats.org/officeDocument/2006/relationships" xmlns:p="http://schemas.openxmlformats.org/presentationml/2006/main">
+  <p:cSld>
+    <p:spTree>
+      <p:nvGrpSpPr>
+        <p:cNvPr id="1" name=""/>
+        <p:cNvGrpSpPr/>
+        <p:nvPr/>
+      </p:nvGrpSpPr>
+      <p:grpSpPr>
+        <a:xfrm>
+          <a:off x="0" y="0"/>
+          <a:ext cx="0" cy="0"/>
+          <a:chOff x="0" y="0"/>
+          <a:chExt cx="0" cy="0"/>
+        </a:xfrm>
+      </p:grpSpPr>
+      <p:sp>
+        <p:nvSpPr>
+          <p:cNvPr id="2" name="CaixaDeTexto 1">
+            <a:extLst>
+              <a:ext uri="{FF2B5EF4-FFF2-40B4-BE49-F238E27FC236}">
+                <a16:creationId xmlns:a16="http://schemas.microsoft.com/office/drawing/2014/main" id="{A771A156-4D14-EB44-E0A8-5DDC603ADB4C}"/>
+              </a:ext>
+            </a:extLst>
+          </p:cNvPr>
+          <p:cNvSpPr txBox="1"/>
+          <p:nvPr/>
+        </p:nvSpPr>
+        <p:spPr>
+          <a:xfrm>
+            <a:off x="175971" y="189457"/>
+            <a:ext cx="11177451" cy="707886"/>
+          </a:xfrm>
+          <a:prstGeom prst="rect">
+            <a:avLst/>
+          </a:prstGeom>
+          <a:noFill/>
+        </p:spPr>
+        <p:txBody>
+          <a:bodyPr wrap="square" rtlCol="0">
+            <a:spAutoFit/>
+          </a:bodyPr>
+          <a:lstStyle/>
+          <a:p>
+            <a:r>
+              <a:rPr lang="pt-BR" sz="4000" dirty="0"/>
+              <a:t>Help/Documentação</a:t>
+            </a:r>
+          </a:p>
+        </p:txBody>
+      </p:sp>
+      <p:sp>
+        <p:nvSpPr>
+          <p:cNvPr id="4" name="CaixaDeTexto 3">
+            <a:extLst>
+              <a:ext uri="{FF2B5EF4-FFF2-40B4-BE49-F238E27FC236}">
+                <a16:creationId xmlns:a16="http://schemas.microsoft.com/office/drawing/2014/main" id="{C1C610E1-596D-1393-1198-C66C9D2E66BA}"/>
+              </a:ext>
+            </a:extLst>
+          </p:cNvPr>
+          <p:cNvSpPr txBox="1"/>
+          <p:nvPr/>
+        </p:nvSpPr>
+        <p:spPr>
+          <a:xfrm>
+            <a:off x="175971" y="941416"/>
+            <a:ext cx="10204174" cy="369332"/>
+          </a:xfrm>
+          <a:prstGeom prst="rect">
+            <a:avLst/>
+          </a:prstGeom>
+          <a:noFill/>
+        </p:spPr>
+        <p:txBody>
+          <a:bodyPr wrap="square">
+            <a:spAutoFit/>
+          </a:bodyPr>
+          <a:lstStyle/>
+          <a:p>
+            <a:pPr algn="l">
+              <a:buFont typeface="Arial" panose="020B0604020202020204" pitchFamily="34" charset="0"/>
+              <a:buChar char="•"/>
+            </a:pPr>
+            <a:r>
+              <a:rPr lang="pt-BR" b="0" i="0" dirty="0" err="1">
+                <a:solidFill>
+                  <a:srgbClr val="24292F"/>
+                </a:solidFill>
+                <a:effectLst/>
+                <a:latin typeface="-apple-system"/>
+              </a:rPr>
+              <a:t>Qlik-cli</a:t>
+            </a:r>
+            <a:r>
+              <a:rPr lang="pt-BR" b="0" i="0" dirty="0">
+                <a:solidFill>
+                  <a:srgbClr val="24292F"/>
+                </a:solidFill>
+                <a:effectLst/>
+                <a:latin typeface="-apple-system"/>
+              </a:rPr>
+              <a:t> - Documentação específica do </a:t>
+            </a:r>
+            <a:r>
+              <a:rPr lang="pt-BR" b="0" i="0" dirty="0" err="1">
+                <a:solidFill>
+                  <a:srgbClr val="24292F"/>
+                </a:solidFill>
+                <a:effectLst/>
+                <a:latin typeface="-apple-system"/>
+              </a:rPr>
+              <a:t>Qlik-Cli</a:t>
+            </a:r>
+            <a:r>
+              <a:rPr lang="pt-BR" b="0" i="0" dirty="0">
+                <a:solidFill>
+                  <a:srgbClr val="24292F"/>
+                </a:solidFill>
+                <a:effectLst/>
+                <a:latin typeface="-apple-system"/>
+              </a:rPr>
+              <a:t>: </a:t>
+            </a:r>
+            <a:r>
+              <a:rPr lang="pt-BR" b="0" i="0" u="none" strike="noStrike" dirty="0">
+                <a:solidFill>
+                  <a:srgbClr val="24292F"/>
+                </a:solidFill>
+                <a:effectLst/>
+                <a:latin typeface="-apple-system"/>
+                <a:hlinkClick r:id="rId2"/>
+              </a:rPr>
+              <a:t>https://qlik.dev/libraries-and-tools/qlik-cli</a:t>
+            </a:r>
+            <a:endParaRPr lang="pt-BR" b="0" i="0" dirty="0">
+              <a:solidFill>
+                <a:srgbClr val="24292F"/>
+              </a:solidFill>
+              <a:effectLst/>
+              <a:latin typeface="-apple-system"/>
+            </a:endParaRPr>
+          </a:p>
+        </p:txBody>
+      </p:sp>
+      <p:pic>
+        <p:nvPicPr>
+          <p:cNvPr id="5" name="Imagem 4">
+            <a:extLst>
+              <a:ext uri="{FF2B5EF4-FFF2-40B4-BE49-F238E27FC236}">
+                <a16:creationId xmlns:a16="http://schemas.microsoft.com/office/drawing/2014/main" id="{2E20E2A6-A725-C755-8161-F4C178FF5E08}"/>
+              </a:ext>
+            </a:extLst>
+          </p:cNvPr>
+          <p:cNvPicPr>
+            <a:picLocks noChangeAspect="1"/>
+          </p:cNvPicPr>
+          <p:nvPr/>
+        </p:nvPicPr>
+        <p:blipFill>
+          <a:blip r:embed="rId3"/>
+          <a:stretch>
+            <a:fillRect/>
+          </a:stretch>
+        </p:blipFill>
+        <p:spPr>
+          <a:xfrm>
+            <a:off x="175971" y="1378012"/>
+            <a:ext cx="3514725" cy="2838450"/>
+          </a:xfrm>
+          <a:prstGeom prst="rect">
+            <a:avLst/>
+          </a:prstGeom>
+        </p:spPr>
+      </p:pic>
+      <p:pic>
+        <p:nvPicPr>
+          <p:cNvPr id="9" name="Imagem 8">
+            <a:extLst>
+              <a:ext uri="{FF2B5EF4-FFF2-40B4-BE49-F238E27FC236}">
+                <a16:creationId xmlns:a16="http://schemas.microsoft.com/office/drawing/2014/main" id="{43B4B1C1-BAD5-268B-EB61-E9677B2D82BA}"/>
+              </a:ext>
+            </a:extLst>
+          </p:cNvPr>
+          <p:cNvPicPr>
+            <a:picLocks noChangeAspect="1"/>
+          </p:cNvPicPr>
+          <p:nvPr/>
+        </p:nvPicPr>
+        <p:blipFill>
+          <a:blip r:embed="rId4"/>
+          <a:stretch>
+            <a:fillRect/>
+          </a:stretch>
+        </p:blipFill>
+        <p:spPr>
+          <a:xfrm>
+            <a:off x="4705351" y="1291680"/>
+            <a:ext cx="2781300" cy="5286375"/>
+          </a:xfrm>
+          <a:prstGeom prst="rect">
+            <a:avLst/>
+          </a:prstGeom>
+        </p:spPr>
+      </p:pic>
+      <p:pic>
+        <p:nvPicPr>
+          <p:cNvPr id="11" name="Imagem 10">
+            <a:extLst>
+              <a:ext uri="{FF2B5EF4-FFF2-40B4-BE49-F238E27FC236}">
+                <a16:creationId xmlns:a16="http://schemas.microsoft.com/office/drawing/2014/main" id="{45C0E6A2-C634-B7FA-9DD1-045F7CFEBF0A}"/>
+              </a:ext>
+            </a:extLst>
+          </p:cNvPr>
+          <p:cNvPicPr>
+            <a:picLocks noChangeAspect="1"/>
+          </p:cNvPicPr>
+          <p:nvPr/>
+        </p:nvPicPr>
+        <p:blipFill>
+          <a:blip r:embed="rId5"/>
+          <a:stretch>
+            <a:fillRect/>
+          </a:stretch>
+        </p:blipFill>
+        <p:spPr>
+          <a:xfrm>
+            <a:off x="8501306" y="1291680"/>
+            <a:ext cx="2400300" cy="2733675"/>
+          </a:xfrm>
+          <a:prstGeom prst="rect">
+            <a:avLst/>
+          </a:prstGeom>
+        </p:spPr>
+      </p:pic>
+      <p:sp>
+        <p:nvSpPr>
+          <p:cNvPr id="12" name="CaixaDeTexto 11">
+            <a:extLst>
+              <a:ext uri="{FF2B5EF4-FFF2-40B4-BE49-F238E27FC236}">
+                <a16:creationId xmlns:a16="http://schemas.microsoft.com/office/drawing/2014/main" id="{57A5375F-9D05-13E5-297B-61D17333D775}"/>
+              </a:ext>
+            </a:extLst>
+          </p:cNvPr>
+          <p:cNvSpPr txBox="1"/>
+          <p:nvPr/>
+        </p:nvSpPr>
+        <p:spPr>
+          <a:xfrm>
+            <a:off x="175971" y="4401996"/>
+            <a:ext cx="4276759" cy="2031325"/>
+          </a:xfrm>
+          <a:prstGeom prst="rect">
+            <a:avLst/>
+          </a:prstGeom>
+          <a:noFill/>
+          <a:ln w="38100">
+            <a:solidFill>
+              <a:srgbClr val="0070C0"/>
+            </a:solidFill>
+          </a:ln>
+        </p:spPr>
+        <p:txBody>
+          <a:bodyPr wrap="square" rtlCol="0">
+            <a:spAutoFit/>
+          </a:bodyPr>
+          <a:lstStyle/>
+          <a:p>
+            <a:r>
+              <a:rPr lang="pt-BR" dirty="0">
+                <a:solidFill>
+                  <a:schemeClr val="bg1"/>
+                </a:solidFill>
+                <a:highlight>
+                  <a:srgbClr val="0000FF"/>
+                </a:highlight>
+              </a:rPr>
+              <a:t>Comando(s) Usado(s) aqui:</a:t>
+            </a:r>
+          </a:p>
+          <a:p>
+            <a:endParaRPr lang="pt-BR" dirty="0"/>
+          </a:p>
+          <a:p>
+            <a:r>
+              <a:rPr lang="pt-BR" dirty="0" err="1"/>
+              <a:t>qlik</a:t>
+            </a:r>
+            <a:r>
+              <a:rPr lang="pt-BR" dirty="0"/>
+              <a:t> --help</a:t>
+            </a:r>
+          </a:p>
+          <a:p>
+            <a:r>
+              <a:rPr lang="pt-BR" dirty="0" err="1"/>
+              <a:t>qlik</a:t>
+            </a:r>
+            <a:r>
+              <a:rPr lang="pt-BR" dirty="0"/>
+              <a:t> -h</a:t>
+            </a:r>
+          </a:p>
+          <a:p>
+            <a:r>
+              <a:rPr lang="pt-BR" dirty="0" err="1"/>
+              <a:t>qlik</a:t>
+            </a:r>
+            <a:r>
+              <a:rPr lang="pt-BR" dirty="0"/>
+              <a:t> contexto </a:t>
+            </a:r>
+            <a:r>
+              <a:rPr lang="pt-BR" dirty="0" err="1"/>
+              <a:t>xpto</a:t>
+            </a:r>
+            <a:r>
+              <a:rPr lang="pt-BR" dirty="0"/>
+              <a:t> </a:t>
+            </a:r>
+            <a:r>
+              <a:rPr lang="pt-BR" dirty="0">
+                <a:highlight>
+                  <a:srgbClr val="FFFF00"/>
+                </a:highlight>
+              </a:rPr>
+              <a:t>(simular erro)</a:t>
+            </a:r>
+          </a:p>
+          <a:p>
+            <a:r>
+              <a:rPr lang="pt-BR" dirty="0" err="1"/>
+              <a:t>cls</a:t>
+            </a:r>
+            <a:r>
+              <a:rPr lang="pt-BR" dirty="0"/>
+              <a:t> </a:t>
+            </a:r>
+            <a:r>
+              <a:rPr lang="pt-BR" dirty="0">
+                <a:highlight>
+                  <a:srgbClr val="FFFF00"/>
+                </a:highlight>
+              </a:rPr>
+              <a:t>(Limpar Tela)</a:t>
+            </a:r>
+          </a:p>
+          <a:p>
+            <a:r>
+              <a:rPr lang="pt-BR" dirty="0"/>
+              <a:t>	</a:t>
+            </a:r>
+          </a:p>
+        </p:txBody>
+      </p:sp>
+    </p:spTree>
+    <p:extLst>
+      <p:ext uri="{BB962C8B-B14F-4D97-AF65-F5344CB8AC3E}">
+        <p14:creationId xmlns:p14="http://schemas.microsoft.com/office/powerpoint/2010/main" val="2661070752"/>
+      </p:ext>
+    </p:extLst>
+  </p:cSld>
+  <p:clrMapOvr>
+    <a:masterClrMapping/>
+  </p:clrMapOvr>
+</p:sld>
+</file>
+
+<file path=ppt/slides/slide6.xml><?xml version="1.0" encoding="utf-8"?>
+<p:sld xmlns:a="http://schemas.openxmlformats.org/drawingml/2006/main" xmlns:r="http://schemas.openxmlformats.org/officeDocument/2006/relationships" xmlns:p="http://schemas.openxmlformats.org/presentationml/2006/main">
+  <p:cSld>
+    <p:spTree>
+      <p:nvGrpSpPr>
+        <p:cNvPr id="1" name=""/>
+        <p:cNvGrpSpPr/>
+        <p:nvPr/>
+      </p:nvGrpSpPr>
+      <p:grpSpPr>
+        <a:xfrm>
+          <a:off x="0" y="0"/>
+          <a:ext cx="0" cy="0"/>
+          <a:chOff x="0" y="0"/>
+          <a:chExt cx="0" cy="0"/>
+        </a:xfrm>
+      </p:grpSpPr>
+      <p:pic>
+        <p:nvPicPr>
+          <p:cNvPr id="3" name="Imagem 2">
+            <a:extLst>
+              <a:ext uri="{FF2B5EF4-FFF2-40B4-BE49-F238E27FC236}">
+                <a16:creationId xmlns:a16="http://schemas.microsoft.com/office/drawing/2014/main" id="{11779981-3D3D-3474-08B9-DCD498BAE445}"/>
+              </a:ext>
+            </a:extLst>
+          </p:cNvPr>
+          <p:cNvPicPr>
+            <a:picLocks noChangeAspect="1"/>
+          </p:cNvPicPr>
+          <p:nvPr/>
+        </p:nvPicPr>
+        <p:blipFill>
+          <a:blip r:embed="rId2"/>
+          <a:stretch>
+            <a:fillRect/>
+          </a:stretch>
+        </p:blipFill>
+        <p:spPr>
+          <a:xfrm>
+            <a:off x="983391" y="3127103"/>
+            <a:ext cx="7172325" cy="1914525"/>
+          </a:xfrm>
+          <a:prstGeom prst="rect">
+            <a:avLst/>
+          </a:prstGeom>
+        </p:spPr>
+      </p:pic>
+      <p:pic>
+        <p:nvPicPr>
+          <p:cNvPr id="5" name="Imagem 4">
+            <a:extLst>
+              <a:ext uri="{FF2B5EF4-FFF2-40B4-BE49-F238E27FC236}">
+                <a16:creationId xmlns:a16="http://schemas.microsoft.com/office/drawing/2014/main" id="{34FA5319-996D-B6F5-07A7-70E957290038}"/>
+              </a:ext>
+            </a:extLst>
+          </p:cNvPr>
+          <p:cNvPicPr>
+            <a:picLocks noChangeAspect="1"/>
+          </p:cNvPicPr>
+          <p:nvPr/>
+        </p:nvPicPr>
+        <p:blipFill>
+          <a:blip r:embed="rId3"/>
+          <a:stretch>
+            <a:fillRect/>
+          </a:stretch>
+        </p:blipFill>
+        <p:spPr>
+          <a:xfrm>
+            <a:off x="4980018" y="4131409"/>
+            <a:ext cx="7105650" cy="2628900"/>
+          </a:xfrm>
+          <a:prstGeom prst="rect">
+            <a:avLst/>
+          </a:prstGeom>
+        </p:spPr>
+      </p:pic>
+      <p:sp>
+        <p:nvSpPr>
+          <p:cNvPr id="10" name="CaixaDeTexto 9">
+            <a:extLst>
+              <a:ext uri="{FF2B5EF4-FFF2-40B4-BE49-F238E27FC236}">
+                <a16:creationId xmlns:a16="http://schemas.microsoft.com/office/drawing/2014/main" id="{38952EC5-1CB2-0121-3039-8CBDA0B801AE}"/>
+              </a:ext>
+            </a:extLst>
+          </p:cNvPr>
+          <p:cNvSpPr txBox="1"/>
+          <p:nvPr/>
+        </p:nvSpPr>
+        <p:spPr>
+          <a:xfrm>
+            <a:off x="175971" y="189457"/>
+            <a:ext cx="11177451" cy="707886"/>
+          </a:xfrm>
+          <a:prstGeom prst="rect">
+            <a:avLst/>
+          </a:prstGeom>
+          <a:noFill/>
+        </p:spPr>
+        <p:txBody>
+          <a:bodyPr wrap="square" rtlCol="0">
+            <a:spAutoFit/>
+          </a:bodyPr>
+          <a:lstStyle/>
+          <a:p>
+            <a:r>
+              <a:rPr lang="pt-BR" sz="4000" dirty="0"/>
+              <a:t>Primeiros Passos “</a:t>
+            </a:r>
+            <a:r>
+              <a:rPr lang="pt-BR" sz="4000" dirty="0" err="1"/>
+              <a:t>Logando</a:t>
+            </a:r>
+            <a:r>
+              <a:rPr lang="pt-BR" sz="4000" dirty="0"/>
+              <a:t>” no “</a:t>
+            </a:r>
+            <a:r>
+              <a:rPr lang="pt-BR" sz="4000" dirty="0" err="1"/>
+              <a:t>tenant</a:t>
+            </a:r>
+            <a:r>
+              <a:rPr lang="pt-BR" sz="4000" dirty="0"/>
+              <a:t>” (Ambiente)</a:t>
+            </a:r>
+          </a:p>
+        </p:txBody>
+      </p:sp>
+      <p:sp>
+        <p:nvSpPr>
+          <p:cNvPr id="12" name="CaixaDeTexto 11">
+            <a:extLst>
+              <a:ext uri="{FF2B5EF4-FFF2-40B4-BE49-F238E27FC236}">
+                <a16:creationId xmlns:a16="http://schemas.microsoft.com/office/drawing/2014/main" id="{96284F2F-1BC5-6C03-CF3D-F44572544078}"/>
+              </a:ext>
+            </a:extLst>
+          </p:cNvPr>
+          <p:cNvSpPr txBox="1"/>
+          <p:nvPr/>
+        </p:nvSpPr>
+        <p:spPr>
+          <a:xfrm>
+            <a:off x="318051" y="1205948"/>
+            <a:ext cx="10853531" cy="1200329"/>
+          </a:xfrm>
+          <a:prstGeom prst="rect">
+            <a:avLst/>
+          </a:prstGeom>
+          <a:noFill/>
+        </p:spPr>
+        <p:txBody>
+          <a:bodyPr wrap="square" rtlCol="0">
+            <a:spAutoFit/>
+          </a:bodyPr>
+          <a:lstStyle/>
+          <a:p>
+            <a:r>
+              <a:rPr lang="pt-BR" dirty="0"/>
+              <a:t>Após instalar é necessário “</a:t>
+            </a:r>
+            <a:r>
+              <a:rPr lang="pt-BR" dirty="0" err="1"/>
+              <a:t>logar</a:t>
+            </a:r>
+            <a:r>
+              <a:rPr lang="pt-BR" dirty="0"/>
+              <a:t>” no “</a:t>
+            </a:r>
+            <a:r>
+              <a:rPr lang="pt-BR" dirty="0" err="1"/>
+              <a:t>tenant</a:t>
+            </a:r>
+            <a:r>
+              <a:rPr lang="pt-BR" dirty="0"/>
+              <a:t>” desejado, para isso é necessário saber a </a:t>
+            </a:r>
+            <a:r>
+              <a:rPr lang="pt-BR" dirty="0" err="1"/>
+              <a:t>url</a:t>
+            </a:r>
+            <a:r>
+              <a:rPr lang="pt-BR" dirty="0"/>
+              <a:t> e chave:</a:t>
+            </a:r>
+          </a:p>
+          <a:p>
+            <a:endParaRPr lang="pt-BR" dirty="0"/>
+          </a:p>
+          <a:p>
+            <a:r>
+              <a:rPr lang="pt-BR" dirty="0">
+                <a:highlight>
+                  <a:srgbClr val="FFFF00"/>
+                </a:highlight>
+              </a:rPr>
+              <a:t>Para gerar uma Chave</a:t>
+            </a:r>
+            <a:r>
+              <a:rPr lang="pt-BR" dirty="0"/>
+              <a:t>: Acesse seu </a:t>
+            </a:r>
+            <a:r>
+              <a:rPr lang="pt-BR" dirty="0" err="1"/>
+              <a:t>Qlik-Saas</a:t>
+            </a:r>
+            <a:r>
+              <a:rPr lang="pt-BR" dirty="0"/>
+              <a:t> &gt; Acesse seu perfil &gt; Configurações de Perfil &gt; Chaves de </a:t>
+            </a:r>
+            <a:r>
+              <a:rPr lang="pt-BR" dirty="0" err="1"/>
+              <a:t>Api</a:t>
+            </a:r>
+            <a:r>
+              <a:rPr lang="pt-BR" dirty="0"/>
+              <a:t>:</a:t>
+            </a:r>
+          </a:p>
+          <a:p>
+            <a:r>
+              <a:rPr lang="pt-BR" dirty="0"/>
+              <a:t>		Gere uma nova chave e salve em um lugar seguro.</a:t>
+            </a:r>
+          </a:p>
+        </p:txBody>
+      </p:sp>
+      <p:pic>
+        <p:nvPicPr>
+          <p:cNvPr id="14" name="Imagem 13">
+            <a:extLst>
+              <a:ext uri="{FF2B5EF4-FFF2-40B4-BE49-F238E27FC236}">
+                <a16:creationId xmlns:a16="http://schemas.microsoft.com/office/drawing/2014/main" id="{59E96DB8-8BC9-7805-7E72-4903C0A87E0F}"/>
+              </a:ext>
+            </a:extLst>
+          </p:cNvPr>
+          <p:cNvPicPr>
+            <a:picLocks noChangeAspect="1"/>
+          </p:cNvPicPr>
+          <p:nvPr/>
+        </p:nvPicPr>
+        <p:blipFill>
+          <a:blip r:embed="rId4"/>
+          <a:stretch>
+            <a:fillRect/>
+          </a:stretch>
+        </p:blipFill>
+        <p:spPr>
+          <a:xfrm>
+            <a:off x="357807" y="2439703"/>
+            <a:ext cx="2562225" cy="714375"/>
+          </a:xfrm>
+          <a:prstGeom prst="rect">
+            <a:avLst/>
+          </a:prstGeom>
+        </p:spPr>
+      </p:pic>
+      <p:sp>
+        <p:nvSpPr>
+          <p:cNvPr id="22" name="CaixaDeTexto 21">
+            <a:extLst>
+              <a:ext uri="{FF2B5EF4-FFF2-40B4-BE49-F238E27FC236}">
+                <a16:creationId xmlns:a16="http://schemas.microsoft.com/office/drawing/2014/main" id="{02336016-8C26-4848-D0D2-0EA4DE9A6AEE}"/>
+              </a:ext>
+            </a:extLst>
+          </p:cNvPr>
+          <p:cNvSpPr txBox="1"/>
+          <p:nvPr/>
+        </p:nvSpPr>
+        <p:spPr>
+          <a:xfrm>
+            <a:off x="39755" y="2439703"/>
+            <a:ext cx="318052" cy="369332"/>
+          </a:xfrm>
+          <a:prstGeom prst="rect">
+            <a:avLst/>
+          </a:prstGeom>
+          <a:noFill/>
+          <a:ln w="28575">
+            <a:solidFill>
+              <a:srgbClr val="FF0000"/>
+            </a:solidFill>
+          </a:ln>
+        </p:spPr>
+        <p:txBody>
+          <a:bodyPr wrap="square" rtlCol="0">
+            <a:spAutoFit/>
+          </a:bodyPr>
+          <a:lstStyle/>
+          <a:p>
+            <a:r>
+              <a:rPr lang="pt-BR" b="1" dirty="0">
+                <a:solidFill>
+                  <a:srgbClr val="FF0000"/>
+                </a:solidFill>
+              </a:rPr>
+              <a:t>1</a:t>
+            </a:r>
+          </a:p>
+        </p:txBody>
+      </p:sp>
+      <p:sp>
+        <p:nvSpPr>
+          <p:cNvPr id="23" name="CaixaDeTexto 22">
+            <a:extLst>
+              <a:ext uri="{FF2B5EF4-FFF2-40B4-BE49-F238E27FC236}">
+                <a16:creationId xmlns:a16="http://schemas.microsoft.com/office/drawing/2014/main" id="{05354D65-20E5-D466-6F63-1F9E98455023}"/>
+              </a:ext>
+            </a:extLst>
+          </p:cNvPr>
+          <p:cNvSpPr txBox="1"/>
+          <p:nvPr/>
+        </p:nvSpPr>
+        <p:spPr>
+          <a:xfrm>
+            <a:off x="626509" y="3187504"/>
+            <a:ext cx="318052" cy="369332"/>
+          </a:xfrm>
+          <a:prstGeom prst="rect">
+            <a:avLst/>
+          </a:prstGeom>
+          <a:noFill/>
+          <a:ln w="28575">
+            <a:solidFill>
+              <a:srgbClr val="FF0000"/>
+            </a:solidFill>
+          </a:ln>
+        </p:spPr>
+        <p:txBody>
+          <a:bodyPr wrap="square" rtlCol="0">
+            <a:spAutoFit/>
+          </a:bodyPr>
+          <a:lstStyle/>
+          <a:p>
+            <a:r>
+              <a:rPr lang="pt-BR" b="1" dirty="0">
+                <a:solidFill>
+                  <a:srgbClr val="FF0000"/>
+                </a:solidFill>
+              </a:rPr>
+              <a:t>2</a:t>
+            </a:r>
+          </a:p>
+        </p:txBody>
+      </p:sp>
+      <p:sp>
+        <p:nvSpPr>
+          <p:cNvPr id="24" name="CaixaDeTexto 23">
+            <a:extLst>
+              <a:ext uri="{FF2B5EF4-FFF2-40B4-BE49-F238E27FC236}">
+                <a16:creationId xmlns:a16="http://schemas.microsoft.com/office/drawing/2014/main" id="{20795D0A-09ED-47BC-62EF-37D94471C273}"/>
+              </a:ext>
+            </a:extLst>
+          </p:cNvPr>
+          <p:cNvSpPr txBox="1"/>
+          <p:nvPr/>
+        </p:nvSpPr>
+        <p:spPr>
+          <a:xfrm>
+            <a:off x="6454736" y="4101815"/>
+            <a:ext cx="318052" cy="369332"/>
+          </a:xfrm>
+          <a:prstGeom prst="rect">
+            <a:avLst/>
+          </a:prstGeom>
+          <a:noFill/>
+          <a:ln w="28575">
+            <a:solidFill>
+              <a:srgbClr val="FF0000"/>
+            </a:solidFill>
+          </a:ln>
+        </p:spPr>
+        <p:txBody>
+          <a:bodyPr wrap="square" rtlCol="0">
+            <a:spAutoFit/>
+          </a:bodyPr>
+          <a:lstStyle/>
+          <a:p>
+            <a:r>
+              <a:rPr lang="pt-BR" b="1" dirty="0">
+                <a:solidFill>
+                  <a:srgbClr val="FF0000"/>
+                </a:solidFill>
+              </a:rPr>
+              <a:t>3</a:t>
+            </a:r>
+          </a:p>
+        </p:txBody>
+      </p:sp>
+      <p:sp>
+        <p:nvSpPr>
+          <p:cNvPr id="25" name="CaixaDeTexto 24">
+            <a:extLst>
+              <a:ext uri="{FF2B5EF4-FFF2-40B4-BE49-F238E27FC236}">
+                <a16:creationId xmlns:a16="http://schemas.microsoft.com/office/drawing/2014/main" id="{58BC897F-D318-617F-A0F7-DB4A8C12AB03}"/>
+              </a:ext>
+            </a:extLst>
+          </p:cNvPr>
+          <p:cNvSpPr txBox="1"/>
+          <p:nvPr/>
+        </p:nvSpPr>
+        <p:spPr>
+          <a:xfrm>
+            <a:off x="106332" y="5276639"/>
+            <a:ext cx="4704207" cy="923330"/>
+          </a:xfrm>
+          <a:prstGeom prst="rect">
+            <a:avLst/>
+          </a:prstGeom>
+          <a:noFill/>
+          <a:ln w="38100">
+            <a:solidFill>
+              <a:srgbClr val="0070C0"/>
+            </a:solidFill>
+          </a:ln>
+        </p:spPr>
+        <p:txBody>
+          <a:bodyPr wrap="square" rtlCol="0">
+            <a:spAutoFit/>
+          </a:bodyPr>
+          <a:lstStyle/>
+          <a:p>
+            <a:r>
+              <a:rPr lang="pt-BR" dirty="0">
+                <a:solidFill>
+                  <a:schemeClr val="bg1"/>
+                </a:solidFill>
+                <a:highlight>
+                  <a:srgbClr val="0000FF"/>
+                </a:highlight>
+              </a:rPr>
+              <a:t>Comando(s) Usado(s) aqui:</a:t>
+            </a:r>
+          </a:p>
+          <a:p>
+            <a:endParaRPr lang="pt-BR" dirty="0"/>
+          </a:p>
+          <a:p>
+            <a:r>
+              <a:rPr lang="pt-BR" dirty="0" err="1"/>
+              <a:t>qlik</a:t>
+            </a:r>
+            <a:r>
+              <a:rPr lang="pt-BR" dirty="0"/>
+              <a:t> </a:t>
+            </a:r>
+            <a:r>
+              <a:rPr lang="pt-BR" dirty="0" err="1"/>
+              <a:t>context</a:t>
+            </a:r>
+            <a:r>
+              <a:rPr lang="pt-BR" dirty="0"/>
+              <a:t> </a:t>
+            </a:r>
+            <a:r>
+              <a:rPr lang="pt-BR" dirty="0" err="1"/>
+              <a:t>init</a:t>
+            </a:r>
+            <a:r>
+              <a:rPr lang="pt-BR" dirty="0"/>
+              <a:t>	</a:t>
+            </a:r>
+          </a:p>
+        </p:txBody>
+      </p:sp>
+    </p:spTree>
+    <p:extLst>
+      <p:ext uri="{BB962C8B-B14F-4D97-AF65-F5344CB8AC3E}">
+        <p14:creationId xmlns:p14="http://schemas.microsoft.com/office/powerpoint/2010/main" val="3861360314"/>
+      </p:ext>
+    </p:extLst>
+  </p:cSld>
+  <p:clrMapOvr>
+    <a:masterClrMapping/>
+  </p:clrMapOvr>
+</p:sld>
+</file>
+
+<file path=ppt/slides/slide7.xml><?xml version="1.0" encoding="utf-8"?>
+<p:sld xmlns:a="http://schemas.openxmlformats.org/drawingml/2006/main" xmlns:r="http://schemas.openxmlformats.org/officeDocument/2006/relationships" xmlns:p="http://schemas.openxmlformats.org/presentationml/2006/main">
+  <p:cSld>
+    <p:spTree>
+      <p:nvGrpSpPr>
+        <p:cNvPr id="1" name=""/>
+        <p:cNvGrpSpPr/>
+        <p:nvPr/>
+      </p:nvGrpSpPr>
+      <p:grpSpPr>
+        <a:xfrm>
+          <a:off x="0" y="0"/>
+          <a:ext cx="0" cy="0"/>
+          <a:chOff x="0" y="0"/>
+          <a:chExt cx="0" cy="0"/>
+        </a:xfrm>
+      </p:grpSpPr>
+      <p:sp>
+        <p:nvSpPr>
+          <p:cNvPr id="10" name="CaixaDeTexto 9">
+            <a:extLst>
+              <a:ext uri="{FF2B5EF4-FFF2-40B4-BE49-F238E27FC236}">
+                <a16:creationId xmlns:a16="http://schemas.microsoft.com/office/drawing/2014/main" id="{38952EC5-1CB2-0121-3039-8CBDA0B801AE}"/>
+              </a:ext>
+            </a:extLst>
+          </p:cNvPr>
+          <p:cNvSpPr txBox="1"/>
+          <p:nvPr/>
+        </p:nvSpPr>
+        <p:spPr>
+          <a:xfrm>
+            <a:off x="175971" y="189457"/>
+            <a:ext cx="11177451" cy="707886"/>
+          </a:xfrm>
+          <a:prstGeom prst="rect">
+            <a:avLst/>
+          </a:prstGeom>
+          <a:noFill/>
+        </p:spPr>
+        <p:txBody>
+          <a:bodyPr wrap="square" rtlCol="0">
+            <a:spAutoFit/>
+          </a:bodyPr>
+          <a:lstStyle/>
+          <a:p>
+            <a:r>
+              <a:rPr lang="pt-BR" sz="4000" dirty="0"/>
               <a:t>Listar “</a:t>
             </a:r>
             <a:r>
@@ -4801,7 +6243,29 @@
                   <a:srgbClr val="0000FF"/>
                 </a:highlight>
               </a:rPr>
-              <a:t> contexto </a:t>
+              <a:t> </a:t>
+            </a:r>
+            <a:r>
+              <a:rPr lang="pt-BR" dirty="0" err="1">
+                <a:solidFill>
+                  <a:schemeClr val="bg1"/>
+                </a:solidFill>
+                <a:highlight>
+                  <a:srgbClr val="0000FF"/>
+                </a:highlight>
+              </a:rPr>
+              <a:t>context</a:t>
+            </a:r>
+            <a:r>
+              <a:rPr lang="pt-BR" dirty="0">
+                <a:solidFill>
+                  <a:schemeClr val="bg1"/>
+                </a:solidFill>
+                <a:highlight>
+                  <a:srgbClr val="0000FF"/>
+                </a:highlight>
+              </a:rPr>
+              <a:t> </a:t>
             </a:r>
             <a:r>
               <a:rPr lang="pt-BR" dirty="0" err="1">
@@ -4840,7 +6304,7 @@
         <p:spPr>
           <a:xfrm>
             <a:off x="175970" y="2260685"/>
-            <a:ext cx="10853531" cy="369332"/>
+            <a:ext cx="11671473" cy="369332"/>
           </a:xfrm>
           <a:prstGeom prst="rect">
             <a:avLst/>
@@ -4885,7 +6349,7 @@
                   <a:srgbClr val="0000FF"/>
                 </a:highlight>
               </a:rPr>
-              <a:t> contexto use </a:t>
+              <a:t> </a:t>
             </a:r>
             <a:r>
               <a:rPr lang="pt-BR" dirty="0" err="1">
@@ -4896,16 +6360,19 @@
                   <a:srgbClr val="0000FF"/>
                 </a:highlight>
               </a:rPr>
-              <a:t>nome_ambiente</a:t>
-            </a:r>
-            <a:endParaRPr lang="pt-BR" dirty="0">
-              <a:solidFill>
-                <a:schemeClr val="bg1"/>
-              </a:solidFill>
-              <a:highlight>
-                <a:srgbClr val="0000FF"/>
-              </a:highlight>
-            </a:endParaRPr>
+              <a:t>context</a:t>
+            </a:r>
+            <a:r>
+              <a:rPr lang="pt-BR" dirty="0">
+                <a:solidFill>
+                  <a:schemeClr val="bg1"/>
+                </a:solidFill>
+                <a:highlight>
+                  <a:srgbClr val="0000FF"/>
+                </a:highlight>
+              </a:rPr>
+              <a:t> use xxxx.us.qlikcloud.com</a:t>
+            </a:r>
           </a:p>
         </p:txBody>
       </p:sp>
@@ -4961,7 +6428,29 @@
                   <a:srgbClr val="0000FF"/>
                 </a:highlight>
               </a:rPr>
-              <a:t> contexto </a:t>
+              <a:t> </a:t>
+            </a:r>
+            <a:r>
+              <a:rPr lang="pt-BR" dirty="0" err="1">
+                <a:solidFill>
+                  <a:schemeClr val="bg1"/>
+                </a:solidFill>
+                <a:highlight>
+                  <a:srgbClr val="0000FF"/>
+                </a:highlight>
+              </a:rPr>
+              <a:t>context</a:t>
+            </a:r>
+            <a:r>
+              <a:rPr lang="pt-BR" dirty="0">
+                <a:solidFill>
+                  <a:schemeClr val="bg1"/>
+                </a:solidFill>
+                <a:highlight>
+                  <a:srgbClr val="0000FF"/>
+                </a:highlight>
+              </a:rPr>
+              <a:t> </a:t>
             </a:r>
             <a:r>
               <a:rPr lang="pt-BR" dirty="0" err="1">
@@ -5095,8 +6584,8 @@
         </p:nvSpPr>
         <p:spPr>
           <a:xfrm>
-            <a:off x="4452730" y="5007731"/>
-            <a:ext cx="4704207" cy="1754326"/>
+            <a:off x="2199861" y="5007731"/>
+            <a:ext cx="9051235" cy="1477328"/>
           </a:xfrm>
           <a:prstGeom prst="rect">
             <a:avLst/>
@@ -5197,15 +6686,7 @@
             </a:r>
             <a:r>
               <a:rPr lang="pt-BR" dirty="0"/>
-              <a:t> </a:t>
-            </a:r>
-            <a:r>
-              <a:rPr lang="pt-BR" dirty="0" err="1"/>
-              <a:t>name_que_aparece_no_contexto_ls</a:t>
-            </a:r>
-            <a:r>
-              <a:rPr lang="pt-BR" dirty="0"/>
-              <a:t>	</a:t>
+              <a:t> use xxxx.us.qlikcloud.com 	</a:t>
             </a:r>
           </a:p>
         </p:txBody>
@@ -5253,7 +6734,7 @@
 </p:sld>
 </file>
 
-<file path=ppt/slides/slide5.xml><?xml version="1.0" encoding="utf-8"?>
+<file path=ppt/slides/slide8.xml><?xml version="1.0" encoding="utf-8"?>
 <p:sld xmlns:a="http://schemas.openxmlformats.org/drawingml/2006/main" xmlns:r="http://schemas.openxmlformats.org/officeDocument/2006/relationships" xmlns:p="http://schemas.openxmlformats.org/presentationml/2006/main">
   <p:cSld>
     <p:spTree>
@@ -5300,13 +6781,16 @@
           <a:p>
             <a:r>
               <a:rPr lang="pt-BR" sz="4000" dirty="0"/>
-              <a:t>Comandos </a:t>
+              <a:t>Comandos “</a:t>
             </a:r>
             <a:r>
               <a:rPr lang="pt-BR" sz="4000" dirty="0" err="1"/>
               <a:t>Context</a:t>
             </a:r>
-            <a:endParaRPr lang="pt-BR" sz="4000" dirty="0"/>
+            <a:r>
+              <a:rPr lang="pt-BR" sz="4000" dirty="0"/>
+              <a:t>”</a:t>
+            </a:r>
           </a:p>
         </p:txBody>
       </p:sp>
@@ -5624,6 +7108,423 @@
     <p:extLst>
       <p:ext uri="{BB962C8B-B14F-4D97-AF65-F5344CB8AC3E}">
         <p14:creationId xmlns:p14="http://schemas.microsoft.com/office/powerpoint/2010/main" val="3757974961"/>
+      </p:ext>
+    </p:extLst>
+  </p:cSld>
+  <p:clrMapOvr>
+    <a:masterClrMapping/>
+  </p:clrMapOvr>
+</p:sld>
+</file>
+
+<file path=ppt/slides/slide9.xml><?xml version="1.0" encoding="utf-8"?>
+<p:sld xmlns:a="http://schemas.openxmlformats.org/drawingml/2006/main" xmlns:r="http://schemas.openxmlformats.org/officeDocument/2006/relationships" xmlns:p="http://schemas.openxmlformats.org/presentationml/2006/main">
+  <p:cSld>
+    <p:spTree>
+      <p:nvGrpSpPr>
+        <p:cNvPr id="1" name=""/>
+        <p:cNvGrpSpPr/>
+        <p:nvPr/>
+      </p:nvGrpSpPr>
+      <p:grpSpPr>
+        <a:xfrm>
+          <a:off x="0" y="0"/>
+          <a:ext cx="0" cy="0"/>
+          <a:chOff x="0" y="0"/>
+          <a:chExt cx="0" cy="0"/>
+        </a:xfrm>
+      </p:grpSpPr>
+      <p:sp>
+        <p:nvSpPr>
+          <p:cNvPr id="10" name="CaixaDeTexto 9">
+            <a:extLst>
+              <a:ext uri="{FF2B5EF4-FFF2-40B4-BE49-F238E27FC236}">
+                <a16:creationId xmlns:a16="http://schemas.microsoft.com/office/drawing/2014/main" id="{38952EC5-1CB2-0121-3039-8CBDA0B801AE}"/>
+              </a:ext>
+            </a:extLst>
+          </p:cNvPr>
+          <p:cNvSpPr txBox="1"/>
+          <p:nvPr/>
+        </p:nvSpPr>
+        <p:spPr>
+          <a:xfrm>
+            <a:off x="175971" y="189457"/>
+            <a:ext cx="11177451" cy="707886"/>
+          </a:xfrm>
+          <a:prstGeom prst="rect">
+            <a:avLst/>
+          </a:prstGeom>
+          <a:noFill/>
+        </p:spPr>
+        <p:txBody>
+          <a:bodyPr wrap="square" rtlCol="0">
+            <a:spAutoFit/>
+          </a:bodyPr>
+          <a:lstStyle/>
+          <a:p>
+            <a:r>
+              <a:rPr lang="pt-BR" sz="4000" dirty="0"/>
+              <a:t>Comandos “Space”</a:t>
+            </a:r>
+          </a:p>
+        </p:txBody>
+      </p:sp>
+      <p:sp>
+        <p:nvSpPr>
+          <p:cNvPr id="12" name="CaixaDeTexto 11">
+            <a:extLst>
+              <a:ext uri="{FF2B5EF4-FFF2-40B4-BE49-F238E27FC236}">
+                <a16:creationId xmlns:a16="http://schemas.microsoft.com/office/drawing/2014/main" id="{96284F2F-1BC5-6C03-CF3D-F44572544078}"/>
+              </a:ext>
+            </a:extLst>
+          </p:cNvPr>
+          <p:cNvSpPr txBox="1"/>
+          <p:nvPr/>
+        </p:nvSpPr>
+        <p:spPr>
+          <a:xfrm>
+            <a:off x="175971" y="973106"/>
+            <a:ext cx="11326916" cy="369332"/>
+          </a:xfrm>
+          <a:prstGeom prst="rect">
+            <a:avLst/>
+          </a:prstGeom>
+          <a:noFill/>
+        </p:spPr>
+        <p:txBody>
+          <a:bodyPr wrap="square" rtlCol="0">
+            <a:spAutoFit/>
+          </a:bodyPr>
+          <a:lstStyle/>
+          <a:p>
+            <a:r>
+              <a:rPr lang="pt-BR" dirty="0"/>
+              <a:t>Estes são os comandos de Julho de 2022, eles podem ser alterados ou expluídos, novos comandos podem entrar.</a:t>
+            </a:r>
+            <a:endParaRPr lang="pt-BR" dirty="0">
+              <a:solidFill>
+                <a:schemeClr val="bg1"/>
+              </a:solidFill>
+              <a:highlight>
+                <a:srgbClr val="0000FF"/>
+              </a:highlight>
+            </a:endParaRPr>
+          </a:p>
+        </p:txBody>
+      </p:sp>
+      <p:sp>
+        <p:nvSpPr>
+          <p:cNvPr id="4" name="CaixaDeTexto 3">
+            <a:extLst>
+              <a:ext uri="{FF2B5EF4-FFF2-40B4-BE49-F238E27FC236}">
+                <a16:creationId xmlns:a16="http://schemas.microsoft.com/office/drawing/2014/main" id="{03DCD98A-9C26-9F52-3AE2-274ABFBA4DD7}"/>
+              </a:ext>
+            </a:extLst>
+          </p:cNvPr>
+          <p:cNvSpPr txBox="1"/>
+          <p:nvPr/>
+        </p:nvSpPr>
+        <p:spPr>
+          <a:xfrm>
+            <a:off x="175971" y="1418201"/>
+            <a:ext cx="10926338" cy="369332"/>
+          </a:xfrm>
+          <a:prstGeom prst="rect">
+            <a:avLst/>
+          </a:prstGeom>
+          <a:solidFill>
+            <a:srgbClr val="00B050"/>
+          </a:solidFill>
+        </p:spPr>
+        <p:txBody>
+          <a:bodyPr wrap="square">
+            <a:spAutoFit/>
+          </a:bodyPr>
+          <a:lstStyle/>
+          <a:p>
+            <a:pPr algn="l">
+              <a:buFont typeface="Arial" panose="020B0604020202020204" pitchFamily="34" charset="0"/>
+              <a:buChar char="•"/>
+            </a:pPr>
+            <a:r>
+              <a:rPr lang="pt-BR" b="1" i="0" dirty="0">
+                <a:solidFill>
+                  <a:schemeClr val="bg1"/>
+                </a:solidFill>
+                <a:effectLst/>
+                <a:latin typeface="-apple-system"/>
+              </a:rPr>
+              <a:t>Criar</a:t>
+            </a:r>
+            <a:endParaRPr lang="pt-BR" b="0" i="0" dirty="0">
+              <a:solidFill>
+                <a:schemeClr val="bg1"/>
+              </a:solidFill>
+              <a:effectLst/>
+              <a:latin typeface="-apple-system"/>
+            </a:endParaRPr>
+          </a:p>
+        </p:txBody>
+      </p:sp>
+      <p:sp>
+        <p:nvSpPr>
+          <p:cNvPr id="2" name="CaixaDeTexto 1">
+            <a:extLst>
+              <a:ext uri="{FF2B5EF4-FFF2-40B4-BE49-F238E27FC236}">
+                <a16:creationId xmlns:a16="http://schemas.microsoft.com/office/drawing/2014/main" id="{77B211D3-A476-AECE-3EDD-18D1FC18D65D}"/>
+              </a:ext>
+            </a:extLst>
+          </p:cNvPr>
+          <p:cNvSpPr txBox="1"/>
+          <p:nvPr/>
+        </p:nvSpPr>
+        <p:spPr>
+          <a:xfrm>
+            <a:off x="175969" y="1836791"/>
+            <a:ext cx="10926337" cy="369332"/>
+          </a:xfrm>
+          <a:prstGeom prst="rect">
+            <a:avLst/>
+          </a:prstGeom>
+          <a:noFill/>
+        </p:spPr>
+        <p:txBody>
+          <a:bodyPr wrap="square" rtlCol="0">
+            <a:spAutoFit/>
+          </a:bodyPr>
+          <a:lstStyle/>
+          <a:p>
+            <a:r>
+              <a:rPr lang="en-US" dirty="0"/>
+              <a:t> </a:t>
+            </a:r>
+            <a:r>
+              <a:rPr lang="en-US" sz="1800" dirty="0" err="1">
+                <a:solidFill>
+                  <a:srgbClr val="0000FF"/>
+                </a:solidFill>
+                <a:latin typeface="Lucida Console" panose="020B0609040504020204" pitchFamily="49" charset="0"/>
+              </a:rPr>
+              <a:t>qlik</a:t>
+            </a:r>
+            <a:r>
+              <a:rPr lang="en-US" sz="1800" dirty="0">
+                <a:solidFill>
+                  <a:prstClr val="black"/>
+                </a:solidFill>
+                <a:latin typeface="Lucida Console" panose="020B0609040504020204" pitchFamily="49" charset="0"/>
+              </a:rPr>
+              <a:t> </a:t>
+            </a:r>
+            <a:r>
+              <a:rPr lang="en-US" sz="1800" dirty="0">
+                <a:solidFill>
+                  <a:srgbClr val="8A2BE2"/>
+                </a:solidFill>
+                <a:latin typeface="Lucida Console" panose="020B0609040504020204" pitchFamily="49" charset="0"/>
+              </a:rPr>
+              <a:t>space</a:t>
+            </a:r>
+            <a:r>
+              <a:rPr lang="en-US" sz="1800" dirty="0">
+                <a:solidFill>
+                  <a:prstClr val="black"/>
+                </a:solidFill>
+                <a:latin typeface="Lucida Console" panose="020B0609040504020204" pitchFamily="49" charset="0"/>
+              </a:rPr>
+              <a:t> </a:t>
+            </a:r>
+            <a:r>
+              <a:rPr lang="en-US" sz="1800" dirty="0">
+                <a:solidFill>
+                  <a:srgbClr val="8A2BE2"/>
+                </a:solidFill>
+                <a:latin typeface="Lucida Console" panose="020B0609040504020204" pitchFamily="49" charset="0"/>
+              </a:rPr>
+              <a:t>create</a:t>
+            </a:r>
+            <a:r>
+              <a:rPr lang="en-US" sz="1800" dirty="0">
+                <a:solidFill>
+                  <a:prstClr val="black"/>
+                </a:solidFill>
+                <a:latin typeface="Lucida Console" panose="020B0609040504020204" pitchFamily="49" charset="0"/>
+              </a:rPr>
+              <a:t> </a:t>
+            </a:r>
+            <a:r>
+              <a:rPr lang="en-US" sz="1800" dirty="0">
+                <a:solidFill>
+                  <a:srgbClr val="8A2BE2"/>
+                </a:solidFill>
+                <a:latin typeface="Lucida Console" panose="020B0609040504020204" pitchFamily="49" charset="0"/>
+              </a:rPr>
+              <a:t>--name</a:t>
+            </a:r>
+            <a:r>
+              <a:rPr lang="en-US" sz="1800" dirty="0">
+                <a:solidFill>
+                  <a:prstClr val="black"/>
+                </a:solidFill>
+                <a:latin typeface="Lucida Console" panose="020B0609040504020204" pitchFamily="49" charset="0"/>
+              </a:rPr>
+              <a:t> </a:t>
+            </a:r>
+            <a:r>
+              <a:rPr lang="en-US" sz="1800" dirty="0">
+                <a:solidFill>
+                  <a:srgbClr val="8A2BE2"/>
+                </a:solidFill>
+                <a:latin typeface="Lucida Console" panose="020B0609040504020204" pitchFamily="49" charset="0"/>
+              </a:rPr>
+              <a:t>QLIK-CLI_EPACO</a:t>
+            </a:r>
+            <a:r>
+              <a:rPr lang="en-US" sz="1800" dirty="0">
+                <a:solidFill>
+                  <a:prstClr val="black"/>
+                </a:solidFill>
+                <a:latin typeface="Lucida Console" panose="020B0609040504020204" pitchFamily="49" charset="0"/>
+              </a:rPr>
+              <a:t> </a:t>
+            </a:r>
+            <a:r>
+              <a:rPr lang="en-US" sz="1800" dirty="0">
+                <a:solidFill>
+                  <a:srgbClr val="8A2BE2"/>
+                </a:solidFill>
+                <a:latin typeface="Lucida Console" panose="020B0609040504020204" pitchFamily="49" charset="0"/>
+              </a:rPr>
+              <a:t>--type</a:t>
+            </a:r>
+            <a:r>
+              <a:rPr lang="en-US" sz="1800" dirty="0">
+                <a:solidFill>
+                  <a:prstClr val="black"/>
+                </a:solidFill>
+                <a:latin typeface="Lucida Console" panose="020B0609040504020204" pitchFamily="49" charset="0"/>
+              </a:rPr>
+              <a:t> </a:t>
+            </a:r>
+            <a:r>
+              <a:rPr lang="en-US" sz="1800" dirty="0">
+                <a:solidFill>
+                  <a:srgbClr val="8A2BE2"/>
+                </a:solidFill>
+                <a:latin typeface="Lucida Console" panose="020B0609040504020204" pitchFamily="49" charset="0"/>
+              </a:rPr>
+              <a:t>shared </a:t>
+            </a:r>
+          </a:p>
+        </p:txBody>
+      </p:sp>
+      <p:pic>
+        <p:nvPicPr>
+          <p:cNvPr id="5" name="Imagem 4">
+            <a:extLst>
+              <a:ext uri="{FF2B5EF4-FFF2-40B4-BE49-F238E27FC236}">
+                <a16:creationId xmlns:a16="http://schemas.microsoft.com/office/drawing/2014/main" id="{88B86183-F25A-0074-1CA0-51111C6ECAB1}"/>
+              </a:ext>
+            </a:extLst>
+          </p:cNvPr>
+          <p:cNvPicPr>
+            <a:picLocks noChangeAspect="1"/>
+          </p:cNvPicPr>
+          <p:nvPr/>
+        </p:nvPicPr>
+        <p:blipFill>
+          <a:blip r:embed="rId2"/>
+          <a:stretch>
+            <a:fillRect/>
+          </a:stretch>
+        </p:blipFill>
+        <p:spPr>
+          <a:xfrm>
+            <a:off x="175969" y="2567974"/>
+            <a:ext cx="4324350" cy="2133600"/>
+          </a:xfrm>
+          <a:prstGeom prst="rect">
+            <a:avLst/>
+          </a:prstGeom>
+        </p:spPr>
+      </p:pic>
+      <p:pic>
+        <p:nvPicPr>
+          <p:cNvPr id="13" name="Imagem 12">
+            <a:extLst>
+              <a:ext uri="{FF2B5EF4-FFF2-40B4-BE49-F238E27FC236}">
+                <a16:creationId xmlns:a16="http://schemas.microsoft.com/office/drawing/2014/main" id="{818FC252-BEC6-6542-29E0-5CC34B8B18D5}"/>
+              </a:ext>
+            </a:extLst>
+          </p:cNvPr>
+          <p:cNvPicPr>
+            <a:picLocks noChangeAspect="1"/>
+          </p:cNvPicPr>
+          <p:nvPr/>
+        </p:nvPicPr>
+        <p:blipFill>
+          <a:blip r:embed="rId3"/>
+          <a:stretch>
+            <a:fillRect/>
+          </a:stretch>
+        </p:blipFill>
+        <p:spPr>
+          <a:xfrm>
+            <a:off x="4862512" y="2206123"/>
+            <a:ext cx="2466975" cy="3419475"/>
+          </a:xfrm>
+          <a:prstGeom prst="rect">
+            <a:avLst/>
+          </a:prstGeom>
+        </p:spPr>
+      </p:pic>
+      <p:sp>
+        <p:nvSpPr>
+          <p:cNvPr id="14" name="CaixaDeTexto 13">
+            <a:extLst>
+              <a:ext uri="{FF2B5EF4-FFF2-40B4-BE49-F238E27FC236}">
+                <a16:creationId xmlns:a16="http://schemas.microsoft.com/office/drawing/2014/main" id="{AC192853-7749-6559-0835-98DFE4ECE76F}"/>
+              </a:ext>
+            </a:extLst>
+          </p:cNvPr>
+          <p:cNvSpPr txBox="1"/>
+          <p:nvPr/>
+        </p:nvSpPr>
+        <p:spPr>
+          <a:xfrm>
+            <a:off x="175971" y="5994930"/>
+            <a:ext cx="11326916" cy="369332"/>
+          </a:xfrm>
+          <a:prstGeom prst="rect">
+            <a:avLst/>
+          </a:prstGeom>
+          <a:noFill/>
+        </p:spPr>
+        <p:txBody>
+          <a:bodyPr wrap="square" rtlCol="0">
+            <a:spAutoFit/>
+          </a:bodyPr>
+          <a:lstStyle/>
+          <a:p>
+            <a:r>
+              <a:rPr lang="pt-BR" dirty="0"/>
+              <a:t>Mais comandos de exemplos em: </a:t>
+            </a:r>
+            <a:endParaRPr lang="pt-BR" dirty="0">
+              <a:solidFill>
+                <a:schemeClr val="bg1"/>
+              </a:solidFill>
+              <a:highlight>
+                <a:srgbClr val="0000FF"/>
+              </a:highlight>
+            </a:endParaRPr>
+          </a:p>
+        </p:txBody>
+      </p:sp>
+    </p:spTree>
+    <p:extLst>
+      <p:ext uri="{BB962C8B-B14F-4D97-AF65-F5344CB8AC3E}">
+        <p14:creationId xmlns:p14="http://schemas.microsoft.com/office/powerpoint/2010/main" val="1716584099"/>
       </p:ext>
     </p:extLst>
   </p:cSld>

--- a/Manual/CURSO QLIK-CLI.pptx
+++ b/Manual/CURSO QLIK-CLI.pptx
@@ -5,7 +5,7 @@
     <p:sldMasterId id="2147483648" r:id="rId1"/>
   </p:sldMasterIdLst>
   <p:notesMasterIdLst>
-    <p:notesMasterId r:id="rId11"/>
+    <p:notesMasterId r:id="rId12"/>
   </p:notesMasterIdLst>
   <p:sldIdLst>
     <p:sldId id="256" r:id="rId2"/>
@@ -17,6 +17,7 @@
     <p:sldId id="258" r:id="rId8"/>
     <p:sldId id="259" r:id="rId9"/>
     <p:sldId id="261" r:id="rId10"/>
+    <p:sldId id="266" r:id="rId11"/>
   </p:sldIdLst>
   <p:sldSz cx="12192000" cy="6858000"/>
   <p:notesSz cx="6858000" cy="9144000"/>
@@ -3765,6 +3766,195 @@
 </p:sld>
 </file>
 
+<file path=ppt/slides/slide10.xml><?xml version="1.0" encoding="utf-8"?>
+<p:sld xmlns:a="http://schemas.openxmlformats.org/drawingml/2006/main" xmlns:r="http://schemas.openxmlformats.org/officeDocument/2006/relationships" xmlns:p="http://schemas.openxmlformats.org/presentationml/2006/main">
+  <p:cSld>
+    <p:spTree>
+      <p:nvGrpSpPr>
+        <p:cNvPr id="1" name=""/>
+        <p:cNvGrpSpPr/>
+        <p:nvPr/>
+      </p:nvGrpSpPr>
+      <p:grpSpPr>
+        <a:xfrm>
+          <a:off x="0" y="0"/>
+          <a:ext cx="0" cy="0"/>
+          <a:chOff x="0" y="0"/>
+          <a:chExt cx="0" cy="0"/>
+        </a:xfrm>
+      </p:grpSpPr>
+      <p:sp>
+        <p:nvSpPr>
+          <p:cNvPr id="10" name="CaixaDeTexto 9">
+            <a:extLst>
+              <a:ext uri="{FF2B5EF4-FFF2-40B4-BE49-F238E27FC236}">
+                <a16:creationId xmlns:a16="http://schemas.microsoft.com/office/drawing/2014/main" id="{38952EC5-1CB2-0121-3039-8CBDA0B801AE}"/>
+              </a:ext>
+            </a:extLst>
+          </p:cNvPr>
+          <p:cNvSpPr txBox="1"/>
+          <p:nvPr/>
+        </p:nvSpPr>
+        <p:spPr>
+          <a:xfrm>
+            <a:off x="175971" y="189457"/>
+            <a:ext cx="11177451" cy="707886"/>
+          </a:xfrm>
+          <a:prstGeom prst="rect">
+            <a:avLst/>
+          </a:prstGeom>
+          <a:noFill/>
+        </p:spPr>
+        <p:txBody>
+          <a:bodyPr wrap="square" rtlCol="0">
+            <a:spAutoFit/>
+          </a:bodyPr>
+          <a:lstStyle/>
+          <a:p>
+            <a:r>
+              <a:rPr lang="pt-BR" sz="4000" dirty="0"/>
+              <a:t>Comandos “data-file”</a:t>
+            </a:r>
+          </a:p>
+        </p:txBody>
+      </p:sp>
+      <p:sp>
+        <p:nvSpPr>
+          <p:cNvPr id="12" name="CaixaDeTexto 11">
+            <a:extLst>
+              <a:ext uri="{FF2B5EF4-FFF2-40B4-BE49-F238E27FC236}">
+                <a16:creationId xmlns:a16="http://schemas.microsoft.com/office/drawing/2014/main" id="{96284F2F-1BC5-6C03-CF3D-F44572544078}"/>
+              </a:ext>
+            </a:extLst>
+          </p:cNvPr>
+          <p:cNvSpPr txBox="1"/>
+          <p:nvPr/>
+        </p:nvSpPr>
+        <p:spPr>
+          <a:xfrm>
+            <a:off x="175971" y="973106"/>
+            <a:ext cx="11326916" cy="369332"/>
+          </a:xfrm>
+          <a:prstGeom prst="rect">
+            <a:avLst/>
+          </a:prstGeom>
+          <a:noFill/>
+        </p:spPr>
+        <p:txBody>
+          <a:bodyPr wrap="square" rtlCol="0">
+            <a:spAutoFit/>
+          </a:bodyPr>
+          <a:lstStyle/>
+          <a:p>
+            <a:r>
+              <a:rPr lang="pt-BR" dirty="0"/>
+              <a:t>Estes são os comandos de Julho de 2022, eles podem ser alterados ou expluídos, novos comandos podem entrar.</a:t>
+            </a:r>
+            <a:endParaRPr lang="pt-BR" dirty="0">
+              <a:solidFill>
+                <a:schemeClr val="bg1"/>
+              </a:solidFill>
+              <a:highlight>
+                <a:srgbClr val="0000FF"/>
+              </a:highlight>
+            </a:endParaRPr>
+          </a:p>
+        </p:txBody>
+      </p:sp>
+      <p:sp>
+        <p:nvSpPr>
+          <p:cNvPr id="14" name="CaixaDeTexto 13">
+            <a:extLst>
+              <a:ext uri="{FF2B5EF4-FFF2-40B4-BE49-F238E27FC236}">
+                <a16:creationId xmlns:a16="http://schemas.microsoft.com/office/drawing/2014/main" id="{AC192853-7749-6559-0835-98DFE4ECE76F}"/>
+              </a:ext>
+            </a:extLst>
+          </p:cNvPr>
+          <p:cNvSpPr txBox="1"/>
+          <p:nvPr/>
+        </p:nvSpPr>
+        <p:spPr>
+          <a:xfrm>
+            <a:off x="175971" y="5994930"/>
+            <a:ext cx="11326916" cy="646331"/>
+          </a:xfrm>
+          <a:prstGeom prst="rect">
+            <a:avLst/>
+          </a:prstGeom>
+          <a:noFill/>
+        </p:spPr>
+        <p:txBody>
+          <a:bodyPr wrap="square" rtlCol="0">
+            <a:spAutoFit/>
+          </a:bodyPr>
+          <a:lstStyle/>
+          <a:p>
+            <a:r>
+              <a:rPr lang="pt-BR" dirty="0"/>
+              <a:t>Mais comandos de exemplos em:  </a:t>
+            </a:r>
+          </a:p>
+          <a:p>
+            <a:r>
+              <a:rPr lang="pt-BR" dirty="0">
+                <a:hlinkClick r:id="rId2"/>
+              </a:rPr>
+              <a:t>https://github.com/digaosss70/Qlik-Cli/blob/main/Exemplos%20Comandos/comandos_space.ps1</a:t>
+            </a:r>
+            <a:endParaRPr lang="pt-BR" dirty="0">
+              <a:solidFill>
+                <a:schemeClr val="bg1"/>
+              </a:solidFill>
+              <a:highlight>
+                <a:srgbClr val="0000FF"/>
+              </a:highlight>
+            </a:endParaRPr>
+          </a:p>
+        </p:txBody>
+      </p:sp>
+      <p:pic>
+        <p:nvPicPr>
+          <p:cNvPr id="9" name="Imagem 8">
+            <a:extLst>
+              <a:ext uri="{FF2B5EF4-FFF2-40B4-BE49-F238E27FC236}">
+                <a16:creationId xmlns:a16="http://schemas.microsoft.com/office/drawing/2014/main" id="{863DFA69-3812-E00B-E186-27D4941231AC}"/>
+              </a:ext>
+            </a:extLst>
+          </p:cNvPr>
+          <p:cNvPicPr>
+            <a:picLocks noChangeAspect="1"/>
+          </p:cNvPicPr>
+          <p:nvPr/>
+        </p:nvPicPr>
+        <p:blipFill>
+          <a:blip r:embed="rId3"/>
+          <a:stretch>
+            <a:fillRect/>
+          </a:stretch>
+        </p:blipFill>
+        <p:spPr>
+          <a:xfrm>
+            <a:off x="244337" y="1418201"/>
+            <a:ext cx="11258550" cy="4362450"/>
+          </a:xfrm>
+          <a:prstGeom prst="rect">
+            <a:avLst/>
+          </a:prstGeom>
+        </p:spPr>
+      </p:pic>
+    </p:spTree>
+    <p:extLst>
+      <p:ext uri="{BB962C8B-B14F-4D97-AF65-F5344CB8AC3E}">
+        <p14:creationId xmlns:p14="http://schemas.microsoft.com/office/powerpoint/2010/main" val="965050720"/>
+      </p:ext>
+    </p:extLst>
+  </p:cSld>
+  <p:clrMapOvr>
+    <a:masterClrMapping/>
+  </p:clrMapOvr>
+</p:sld>
+</file>
+
 <file path=ppt/slides/slide2.xml><?xml version="1.0" encoding="utf-8"?>
 <p:sld xmlns:a="http://schemas.openxmlformats.org/drawingml/2006/main" xmlns:r="http://schemas.openxmlformats.org/officeDocument/2006/relationships" xmlns:p="http://schemas.openxmlformats.org/presentationml/2006/main">
   <p:cSld>
@@ -7440,7 +7630,7 @@
         </p:blipFill>
         <p:spPr>
           <a:xfrm>
-            <a:off x="175969" y="2567974"/>
+            <a:off x="308491" y="2281886"/>
             <a:ext cx="4324350" cy="2133600"/>
           </a:xfrm>
           <a:prstGeom prst="rect">
@@ -7470,7 +7660,7 @@
         </p:blipFill>
         <p:spPr>
           <a:xfrm>
-            <a:off x="4862512" y="2206123"/>
+            <a:off x="4632841" y="2390789"/>
             <a:ext cx="2466975" cy="3419475"/>
           </a:xfrm>
           <a:prstGeom prst="rect">
@@ -7493,7 +7683,7 @@
         <p:spPr>
           <a:xfrm>
             <a:off x="175971" y="5994930"/>
-            <a:ext cx="11326916" cy="369332"/>
+            <a:ext cx="11326916" cy="646331"/>
           </a:xfrm>
           <a:prstGeom prst="rect">
             <a:avLst/>
@@ -7508,7 +7698,15 @@
           <a:p>
             <a:r>
               <a:rPr lang="pt-BR" dirty="0"/>
-              <a:t>Mais comandos de exemplos em: </a:t>
+              <a:t>Mais comandos de exemplos em:  </a:t>
+            </a:r>
+          </a:p>
+          <a:p>
+            <a:r>
+              <a:rPr lang="pt-BR" dirty="0">
+                <a:hlinkClick r:id="rId4"/>
+              </a:rPr>
+              <a:t>https://github.com/digaosss70/Qlik-Cli/blob/main/Exemplos%20Comandos/comandos_space.ps1</a:t>
             </a:r>
             <a:endParaRPr lang="pt-BR" dirty="0">
               <a:solidFill>
@@ -7521,6 +7719,36 @@
           </a:p>
         </p:txBody>
       </p:sp>
+      <p:pic>
+        <p:nvPicPr>
+          <p:cNvPr id="6" name="Imagem 5">
+            <a:extLst>
+              <a:ext uri="{FF2B5EF4-FFF2-40B4-BE49-F238E27FC236}">
+                <a16:creationId xmlns:a16="http://schemas.microsoft.com/office/drawing/2014/main" id="{8E119B2F-EF7C-4FBA-C8FB-1F1A19BFEFE4}"/>
+              </a:ext>
+            </a:extLst>
+          </p:cNvPr>
+          <p:cNvPicPr>
+            <a:picLocks noChangeAspect="1"/>
+          </p:cNvPicPr>
+          <p:nvPr/>
+        </p:nvPicPr>
+        <p:blipFill>
+          <a:blip r:embed="rId5"/>
+          <a:stretch>
+            <a:fillRect/>
+          </a:stretch>
+        </p:blipFill>
+        <p:spPr>
+          <a:xfrm>
+            <a:off x="7333871" y="3221230"/>
+            <a:ext cx="4410075" cy="1362075"/>
+          </a:xfrm>
+          <a:prstGeom prst="rect">
+            <a:avLst/>
+          </a:prstGeom>
+        </p:spPr>
+      </p:pic>
     </p:spTree>
     <p:extLst>
       <p:ext uri="{BB962C8B-B14F-4D97-AF65-F5344CB8AC3E}">

--- a/Manual/CURSO QLIK-CLI.pptx
+++ b/Manual/CURSO QLIK-CLI.pptx
@@ -5,7 +5,7 @@
     <p:sldMasterId id="2147483648" r:id="rId1"/>
   </p:sldMasterIdLst>
   <p:notesMasterIdLst>
-    <p:notesMasterId r:id="rId12"/>
+    <p:notesMasterId r:id="rId13"/>
   </p:notesMasterIdLst>
   <p:sldIdLst>
     <p:sldId id="256" r:id="rId2"/>
@@ -18,6 +18,7 @@
     <p:sldId id="259" r:id="rId9"/>
     <p:sldId id="261" r:id="rId10"/>
     <p:sldId id="266" r:id="rId11"/>
+    <p:sldId id="267" r:id="rId12"/>
   </p:sldIdLst>
   <p:sldSz cx="12192000" cy="6858000"/>
   <p:notesSz cx="6858000" cy="9144000"/>
@@ -3899,16 +3900,9 @@
               <a:rPr lang="pt-BR" dirty="0">
                 <a:hlinkClick r:id="rId2"/>
               </a:rPr>
-              <a:t>https://github.com/digaosss70/Qlik-Cli/blob/main/Exemplos%20Comandos/comandos_space.ps1</a:t>
-            </a:r>
-            <a:endParaRPr lang="pt-BR" dirty="0">
-              <a:solidFill>
-                <a:schemeClr val="bg1"/>
-              </a:solidFill>
-              <a:highlight>
-                <a:srgbClr val="0000FF"/>
-              </a:highlight>
-            </a:endParaRPr>
+              <a:t>https://github.com/digaosss70/Qlik-Cli/blob/main/Exemplos%20Comandos/comandos_data-file.ps1</a:t>
+            </a:r>
+            <a:endParaRPr lang="pt-BR" dirty="0"/>
           </a:p>
         </p:txBody>
       </p:sp>
@@ -3946,6 +3940,188 @@
     <p:extLst>
       <p:ext uri="{BB962C8B-B14F-4D97-AF65-F5344CB8AC3E}">
         <p14:creationId xmlns:p14="http://schemas.microsoft.com/office/powerpoint/2010/main" val="965050720"/>
+      </p:ext>
+    </p:extLst>
+  </p:cSld>
+  <p:clrMapOvr>
+    <a:masterClrMapping/>
+  </p:clrMapOvr>
+</p:sld>
+</file>
+
+<file path=ppt/slides/slide11.xml><?xml version="1.0" encoding="utf-8"?>
+<p:sld xmlns:a="http://schemas.openxmlformats.org/drawingml/2006/main" xmlns:r="http://schemas.openxmlformats.org/officeDocument/2006/relationships" xmlns:p="http://schemas.openxmlformats.org/presentationml/2006/main">
+  <p:cSld>
+    <p:spTree>
+      <p:nvGrpSpPr>
+        <p:cNvPr id="1" name=""/>
+        <p:cNvGrpSpPr/>
+        <p:nvPr/>
+      </p:nvGrpSpPr>
+      <p:grpSpPr>
+        <a:xfrm>
+          <a:off x="0" y="0"/>
+          <a:ext cx="0" cy="0"/>
+          <a:chOff x="0" y="0"/>
+          <a:chExt cx="0" cy="0"/>
+        </a:xfrm>
+      </p:grpSpPr>
+      <p:sp>
+        <p:nvSpPr>
+          <p:cNvPr id="10" name="CaixaDeTexto 9">
+            <a:extLst>
+              <a:ext uri="{FF2B5EF4-FFF2-40B4-BE49-F238E27FC236}">
+                <a16:creationId xmlns:a16="http://schemas.microsoft.com/office/drawing/2014/main" id="{38952EC5-1CB2-0121-3039-8CBDA0B801AE}"/>
+              </a:ext>
+            </a:extLst>
+          </p:cNvPr>
+          <p:cNvSpPr txBox="1"/>
+          <p:nvPr/>
+        </p:nvSpPr>
+        <p:spPr>
+          <a:xfrm>
+            <a:off x="175971" y="189457"/>
+            <a:ext cx="11177451" cy="707886"/>
+          </a:xfrm>
+          <a:prstGeom prst="rect">
+            <a:avLst/>
+          </a:prstGeom>
+          <a:noFill/>
+        </p:spPr>
+        <p:txBody>
+          <a:bodyPr wrap="square" rtlCol="0">
+            <a:spAutoFit/>
+          </a:bodyPr>
+          <a:lstStyle/>
+          <a:p>
+            <a:r>
+              <a:rPr lang="pt-BR" sz="4000" dirty="0"/>
+              <a:t>Comandos “app”</a:t>
+            </a:r>
+          </a:p>
+        </p:txBody>
+      </p:sp>
+      <p:sp>
+        <p:nvSpPr>
+          <p:cNvPr id="12" name="CaixaDeTexto 11">
+            <a:extLst>
+              <a:ext uri="{FF2B5EF4-FFF2-40B4-BE49-F238E27FC236}">
+                <a16:creationId xmlns:a16="http://schemas.microsoft.com/office/drawing/2014/main" id="{96284F2F-1BC5-6C03-CF3D-F44572544078}"/>
+              </a:ext>
+            </a:extLst>
+          </p:cNvPr>
+          <p:cNvSpPr txBox="1"/>
+          <p:nvPr/>
+        </p:nvSpPr>
+        <p:spPr>
+          <a:xfrm>
+            <a:off x="175971" y="973106"/>
+            <a:ext cx="11326916" cy="369332"/>
+          </a:xfrm>
+          <a:prstGeom prst="rect">
+            <a:avLst/>
+          </a:prstGeom>
+          <a:noFill/>
+        </p:spPr>
+        <p:txBody>
+          <a:bodyPr wrap="square" rtlCol="0">
+            <a:spAutoFit/>
+          </a:bodyPr>
+          <a:lstStyle/>
+          <a:p>
+            <a:r>
+              <a:rPr lang="pt-BR" dirty="0"/>
+              <a:t>Estes são os comandos de Julho de 2022, eles podem ser alterados ou expluídos, novos comandos podem entrar.</a:t>
+            </a:r>
+            <a:endParaRPr lang="pt-BR" dirty="0">
+              <a:solidFill>
+                <a:schemeClr val="bg1"/>
+              </a:solidFill>
+              <a:highlight>
+                <a:srgbClr val="0000FF"/>
+              </a:highlight>
+            </a:endParaRPr>
+          </a:p>
+        </p:txBody>
+      </p:sp>
+      <p:sp>
+        <p:nvSpPr>
+          <p:cNvPr id="14" name="CaixaDeTexto 13">
+            <a:extLst>
+              <a:ext uri="{FF2B5EF4-FFF2-40B4-BE49-F238E27FC236}">
+                <a16:creationId xmlns:a16="http://schemas.microsoft.com/office/drawing/2014/main" id="{AC192853-7749-6559-0835-98DFE4ECE76F}"/>
+              </a:ext>
+            </a:extLst>
+          </p:cNvPr>
+          <p:cNvSpPr txBox="1"/>
+          <p:nvPr/>
+        </p:nvSpPr>
+        <p:spPr>
+          <a:xfrm>
+            <a:off x="175971" y="5994930"/>
+            <a:ext cx="11326916" cy="646331"/>
+          </a:xfrm>
+          <a:prstGeom prst="rect">
+            <a:avLst/>
+          </a:prstGeom>
+          <a:noFill/>
+        </p:spPr>
+        <p:txBody>
+          <a:bodyPr wrap="square" rtlCol="0">
+            <a:spAutoFit/>
+          </a:bodyPr>
+          <a:lstStyle/>
+          <a:p>
+            <a:r>
+              <a:rPr lang="pt-BR" dirty="0"/>
+              <a:t>Mais comandos de exemplos em:  </a:t>
+            </a:r>
+          </a:p>
+          <a:p>
+            <a:r>
+              <a:rPr lang="pt-BR" dirty="0">
+                <a:hlinkClick r:id="rId2"/>
+              </a:rPr>
+              <a:t>https://github.com/digaosss70/Qlik-Cli/blob/main/Exemplos%20Comandos/comandos_data-file.ps1</a:t>
+            </a:r>
+            <a:endParaRPr lang="pt-BR" dirty="0"/>
+          </a:p>
+        </p:txBody>
+      </p:sp>
+      <p:pic>
+        <p:nvPicPr>
+          <p:cNvPr id="5" name="Imagem 4">
+            <a:extLst>
+              <a:ext uri="{FF2B5EF4-FFF2-40B4-BE49-F238E27FC236}">
+                <a16:creationId xmlns:a16="http://schemas.microsoft.com/office/drawing/2014/main" id="{CDB9DF66-1A55-97D4-680E-6D7C448D297C}"/>
+              </a:ext>
+            </a:extLst>
+          </p:cNvPr>
+          <p:cNvPicPr>
+            <a:picLocks noChangeAspect="1"/>
+          </p:cNvPicPr>
+          <p:nvPr/>
+        </p:nvPicPr>
+        <p:blipFill>
+          <a:blip r:embed="rId3"/>
+          <a:stretch>
+            <a:fillRect/>
+          </a:stretch>
+        </p:blipFill>
+        <p:spPr>
+          <a:xfrm>
+            <a:off x="369818" y="1833562"/>
+            <a:ext cx="10153650" cy="3190875"/>
+          </a:xfrm>
+          <a:prstGeom prst="rect">
+            <a:avLst/>
+          </a:prstGeom>
+        </p:spPr>
+      </p:pic>
+    </p:spTree>
+    <p:extLst>
+      <p:ext uri="{BB962C8B-B14F-4D97-AF65-F5344CB8AC3E}">
+        <p14:creationId xmlns:p14="http://schemas.microsoft.com/office/powerpoint/2010/main" val="1538264951"/>
       </p:ext>
     </p:extLst>
   </p:cSld>

--- a/Manual/CURSO QLIK-CLI.pptx
+++ b/Manual/CURSO QLIK-CLI.pptx
@@ -5,7 +5,7 @@
     <p:sldMasterId id="2147483648" r:id="rId1"/>
   </p:sldMasterIdLst>
   <p:notesMasterIdLst>
-    <p:notesMasterId r:id="rId13"/>
+    <p:notesMasterId r:id="rId15"/>
   </p:notesMasterIdLst>
   <p:sldIdLst>
     <p:sldId id="256" r:id="rId2"/>
@@ -19,6 +19,8 @@
     <p:sldId id="261" r:id="rId10"/>
     <p:sldId id="266" r:id="rId11"/>
     <p:sldId id="267" r:id="rId12"/>
+    <p:sldId id="268" r:id="rId13"/>
+    <p:sldId id="269" r:id="rId14"/>
   </p:sldIdLst>
   <p:sldSz cx="12192000" cy="6858000"/>
   <p:notesSz cx="6858000" cy="9144000"/>
@@ -4082,7 +4084,7 @@
               <a:rPr lang="pt-BR" dirty="0">
                 <a:hlinkClick r:id="rId2"/>
               </a:rPr>
-              <a:t>https://github.com/digaosss70/Qlik-Cli/blob/main/Exemplos%20Comandos/comandos_data-file.ps1</a:t>
+              <a:t>https://github.com/digaosss70/Qlik-Cli/blob/main/Exemplos%20Comandos/comandos_app.ps1</a:t>
             </a:r>
             <a:endParaRPr lang="pt-BR" dirty="0"/>
           </a:p>
@@ -4122,6 +4124,378 @@
     <p:extLst>
       <p:ext uri="{BB962C8B-B14F-4D97-AF65-F5344CB8AC3E}">
         <p14:creationId xmlns:p14="http://schemas.microsoft.com/office/powerpoint/2010/main" val="1538264951"/>
+      </p:ext>
+    </p:extLst>
+  </p:cSld>
+  <p:clrMapOvr>
+    <a:masterClrMapping/>
+  </p:clrMapOvr>
+</p:sld>
+</file>
+
+<file path=ppt/slides/slide12.xml><?xml version="1.0" encoding="utf-8"?>
+<p:sld xmlns:a="http://schemas.openxmlformats.org/drawingml/2006/main" xmlns:r="http://schemas.openxmlformats.org/officeDocument/2006/relationships" xmlns:p="http://schemas.openxmlformats.org/presentationml/2006/main">
+  <p:cSld>
+    <p:spTree>
+      <p:nvGrpSpPr>
+        <p:cNvPr id="1" name=""/>
+        <p:cNvGrpSpPr/>
+        <p:nvPr/>
+      </p:nvGrpSpPr>
+      <p:grpSpPr>
+        <a:xfrm>
+          <a:off x="0" y="0"/>
+          <a:ext cx="0" cy="0"/>
+          <a:chOff x="0" y="0"/>
+          <a:chExt cx="0" cy="0"/>
+        </a:xfrm>
+      </p:grpSpPr>
+      <p:sp>
+        <p:nvSpPr>
+          <p:cNvPr id="10" name="CaixaDeTexto 9">
+            <a:extLst>
+              <a:ext uri="{FF2B5EF4-FFF2-40B4-BE49-F238E27FC236}">
+                <a16:creationId xmlns:a16="http://schemas.microsoft.com/office/drawing/2014/main" id="{38952EC5-1CB2-0121-3039-8CBDA0B801AE}"/>
+              </a:ext>
+            </a:extLst>
+          </p:cNvPr>
+          <p:cNvSpPr txBox="1"/>
+          <p:nvPr/>
+        </p:nvSpPr>
+        <p:spPr>
+          <a:xfrm>
+            <a:off x="175971" y="189457"/>
+            <a:ext cx="11177451" cy="707886"/>
+          </a:xfrm>
+          <a:prstGeom prst="rect">
+            <a:avLst/>
+          </a:prstGeom>
+          <a:noFill/>
+        </p:spPr>
+        <p:txBody>
+          <a:bodyPr wrap="square" rtlCol="0">
+            <a:spAutoFit/>
+          </a:bodyPr>
+          <a:lstStyle/>
+          <a:p>
+            <a:r>
+              <a:rPr lang="pt-BR" sz="4000" dirty="0"/>
+              <a:t>Usando “</a:t>
+            </a:r>
+            <a:r>
+              <a:rPr lang="pt-BR" sz="4000" dirty="0" err="1"/>
+              <a:t>Jq</a:t>
+            </a:r>
+            <a:r>
+              <a:rPr lang="pt-BR" sz="4000" dirty="0"/>
+              <a:t>”</a:t>
+            </a:r>
+          </a:p>
+        </p:txBody>
+      </p:sp>
+      <p:sp>
+        <p:nvSpPr>
+          <p:cNvPr id="14" name="CaixaDeTexto 13">
+            <a:extLst>
+              <a:ext uri="{FF2B5EF4-FFF2-40B4-BE49-F238E27FC236}">
+                <a16:creationId xmlns:a16="http://schemas.microsoft.com/office/drawing/2014/main" id="{AC192853-7749-6559-0835-98DFE4ECE76F}"/>
+              </a:ext>
+            </a:extLst>
+          </p:cNvPr>
+          <p:cNvSpPr txBox="1"/>
+          <p:nvPr/>
+        </p:nvSpPr>
+        <p:spPr>
+          <a:xfrm>
+            <a:off x="175971" y="5994930"/>
+            <a:ext cx="11326916" cy="646331"/>
+          </a:xfrm>
+          <a:prstGeom prst="rect">
+            <a:avLst/>
+          </a:prstGeom>
+          <a:noFill/>
+        </p:spPr>
+        <p:txBody>
+          <a:bodyPr wrap="square" rtlCol="0">
+            <a:spAutoFit/>
+          </a:bodyPr>
+          <a:lstStyle/>
+          <a:p>
+            <a:r>
+              <a:rPr lang="pt-BR" dirty="0"/>
+              <a:t>Mais comandos de exemplos em:  </a:t>
+            </a:r>
+          </a:p>
+          <a:p>
+            <a:r>
+              <a:rPr lang="pt-BR" dirty="0">
+                <a:hlinkClick r:id="rId2"/>
+              </a:rPr>
+              <a:t>https://github.com/digaosss70/Qlik-Cli/blob/main/Exemplos%20Comandos/exemplos_JQ.ps1</a:t>
+            </a:r>
+            <a:endParaRPr lang="pt-BR" dirty="0"/>
+          </a:p>
+        </p:txBody>
+      </p:sp>
+      <p:pic>
+        <p:nvPicPr>
+          <p:cNvPr id="3" name="Imagem 2">
+            <a:extLst>
+              <a:ext uri="{FF2B5EF4-FFF2-40B4-BE49-F238E27FC236}">
+                <a16:creationId xmlns:a16="http://schemas.microsoft.com/office/drawing/2014/main" id="{AE61A9E2-5DC3-8989-EA38-778735DCA1C4}"/>
+              </a:ext>
+            </a:extLst>
+          </p:cNvPr>
+          <p:cNvPicPr>
+            <a:picLocks noChangeAspect="1"/>
+          </p:cNvPicPr>
+          <p:nvPr/>
+        </p:nvPicPr>
+        <p:blipFill>
+          <a:blip r:embed="rId3"/>
+          <a:stretch>
+            <a:fillRect/>
+          </a:stretch>
+        </p:blipFill>
+        <p:spPr>
+          <a:xfrm>
+            <a:off x="2762250" y="1924050"/>
+            <a:ext cx="6667500" cy="3009900"/>
+          </a:xfrm>
+          <a:prstGeom prst="rect">
+            <a:avLst/>
+          </a:prstGeom>
+        </p:spPr>
+      </p:pic>
+      <p:sp>
+        <p:nvSpPr>
+          <p:cNvPr id="8" name="CaixaDeTexto 7">
+            <a:extLst>
+              <a:ext uri="{FF2B5EF4-FFF2-40B4-BE49-F238E27FC236}">
+                <a16:creationId xmlns:a16="http://schemas.microsoft.com/office/drawing/2014/main" id="{4106BB62-0A96-1C77-0339-E9CBB7568BD6}"/>
+              </a:ext>
+            </a:extLst>
+          </p:cNvPr>
+          <p:cNvSpPr txBox="1"/>
+          <p:nvPr/>
+        </p:nvSpPr>
+        <p:spPr>
+          <a:xfrm>
+            <a:off x="175971" y="897343"/>
+            <a:ext cx="11326916" cy="646331"/>
+          </a:xfrm>
+          <a:prstGeom prst="rect">
+            <a:avLst/>
+          </a:prstGeom>
+          <a:noFill/>
+        </p:spPr>
+        <p:txBody>
+          <a:bodyPr wrap="square" rtlCol="0">
+            <a:spAutoFit/>
+          </a:bodyPr>
+          <a:lstStyle/>
+          <a:p>
+            <a:r>
+              <a:rPr lang="pt-BR" dirty="0"/>
+              <a:t>Documentação do </a:t>
+            </a:r>
+            <a:r>
+              <a:rPr lang="pt-BR" dirty="0" err="1"/>
+              <a:t>Jq</a:t>
+            </a:r>
+            <a:r>
+              <a:rPr lang="pt-BR" dirty="0"/>
+              <a:t>:</a:t>
+            </a:r>
+          </a:p>
+          <a:p>
+            <a:r>
+              <a:rPr lang="pt-BR" dirty="0">
+                <a:hlinkClick r:id="rId4"/>
+              </a:rPr>
+              <a:t>https://stedolan.github.io/jq/tutorial/</a:t>
+            </a:r>
+            <a:endParaRPr lang="pt-BR" dirty="0"/>
+          </a:p>
+        </p:txBody>
+      </p:sp>
+    </p:spTree>
+    <p:extLst>
+      <p:ext uri="{BB962C8B-B14F-4D97-AF65-F5344CB8AC3E}">
+        <p14:creationId xmlns:p14="http://schemas.microsoft.com/office/powerpoint/2010/main" val="1378693626"/>
+      </p:ext>
+    </p:extLst>
+  </p:cSld>
+  <p:clrMapOvr>
+    <a:masterClrMapping/>
+  </p:clrMapOvr>
+</p:sld>
+</file>
+
+<file path=ppt/slides/slide13.xml><?xml version="1.0" encoding="utf-8"?>
+<p:sld xmlns:a="http://schemas.openxmlformats.org/drawingml/2006/main" xmlns:r="http://schemas.openxmlformats.org/officeDocument/2006/relationships" xmlns:p="http://schemas.openxmlformats.org/presentationml/2006/main">
+  <p:cSld>
+    <p:spTree>
+      <p:nvGrpSpPr>
+        <p:cNvPr id="1" name=""/>
+        <p:cNvGrpSpPr/>
+        <p:nvPr/>
+      </p:nvGrpSpPr>
+      <p:grpSpPr>
+        <a:xfrm>
+          <a:off x="0" y="0"/>
+          <a:ext cx="0" cy="0"/>
+          <a:chOff x="0" y="0"/>
+          <a:chExt cx="0" cy="0"/>
+        </a:xfrm>
+      </p:grpSpPr>
+      <p:sp>
+        <p:nvSpPr>
+          <p:cNvPr id="10" name="CaixaDeTexto 9">
+            <a:extLst>
+              <a:ext uri="{FF2B5EF4-FFF2-40B4-BE49-F238E27FC236}">
+                <a16:creationId xmlns:a16="http://schemas.microsoft.com/office/drawing/2014/main" id="{38952EC5-1CB2-0121-3039-8CBDA0B801AE}"/>
+              </a:ext>
+            </a:extLst>
+          </p:cNvPr>
+          <p:cNvSpPr txBox="1"/>
+          <p:nvPr/>
+        </p:nvSpPr>
+        <p:spPr>
+          <a:xfrm>
+            <a:off x="175971" y="189457"/>
+            <a:ext cx="11177451" cy="707886"/>
+          </a:xfrm>
+          <a:prstGeom prst="rect">
+            <a:avLst/>
+          </a:prstGeom>
+          <a:noFill/>
+        </p:spPr>
+        <p:txBody>
+          <a:bodyPr wrap="square" rtlCol="0">
+            <a:spAutoFit/>
+          </a:bodyPr>
+          <a:lstStyle/>
+          <a:p>
+            <a:r>
+              <a:rPr lang="pt-BR" sz="4000" dirty="0"/>
+              <a:t>Agradecimentos!</a:t>
+            </a:r>
+          </a:p>
+        </p:txBody>
+      </p:sp>
+      <p:sp>
+        <p:nvSpPr>
+          <p:cNvPr id="14" name="CaixaDeTexto 13">
+            <a:extLst>
+              <a:ext uri="{FF2B5EF4-FFF2-40B4-BE49-F238E27FC236}">
+                <a16:creationId xmlns:a16="http://schemas.microsoft.com/office/drawing/2014/main" id="{AC192853-7749-6559-0835-98DFE4ECE76F}"/>
+              </a:ext>
+            </a:extLst>
+          </p:cNvPr>
+          <p:cNvSpPr txBox="1"/>
+          <p:nvPr/>
+        </p:nvSpPr>
+        <p:spPr>
+          <a:xfrm>
+            <a:off x="175971" y="1780739"/>
+            <a:ext cx="11326916" cy="1477328"/>
+          </a:xfrm>
+          <a:prstGeom prst="rect">
+            <a:avLst/>
+          </a:prstGeom>
+          <a:noFill/>
+        </p:spPr>
+        <p:txBody>
+          <a:bodyPr wrap="square" rtlCol="0">
+            <a:spAutoFit/>
+          </a:bodyPr>
+          <a:lstStyle/>
+          <a:p>
+            <a:r>
+              <a:rPr lang="pt-BR" dirty="0"/>
+              <a:t>No meu </a:t>
+            </a:r>
+            <a:r>
+              <a:rPr lang="pt-BR" dirty="0" err="1"/>
+              <a:t>Github</a:t>
+            </a:r>
+            <a:r>
+              <a:rPr lang="pt-BR" dirty="0"/>
+              <a:t> você encontra mais algumas coisas:</a:t>
+            </a:r>
+          </a:p>
+          <a:p>
+            <a:endParaRPr lang="pt-BR" dirty="0"/>
+          </a:p>
+          <a:p>
+            <a:r>
+              <a:rPr lang="pt-BR" b="1" dirty="0"/>
+              <a:t>Exemplos de Comandos</a:t>
+            </a:r>
+            <a:r>
+              <a:rPr lang="pt-BR" dirty="0"/>
+              <a:t>: </a:t>
+            </a:r>
+          </a:p>
+          <a:p>
+            <a:r>
+              <a:rPr lang="pt-BR" b="1" dirty="0"/>
+              <a:t>Layouts</a:t>
+            </a:r>
+          </a:p>
+          <a:p>
+            <a:r>
+              <a:rPr lang="pt-BR" b="1" dirty="0"/>
+              <a:t>Scripts em </a:t>
+            </a:r>
+            <a:r>
+              <a:rPr lang="pt-BR" b="1" dirty="0" err="1"/>
+              <a:t>PowerShell</a:t>
+            </a:r>
+            <a:endParaRPr lang="pt-BR" b="1" dirty="0"/>
+          </a:p>
+        </p:txBody>
+      </p:sp>
+      <p:sp>
+        <p:nvSpPr>
+          <p:cNvPr id="8" name="CaixaDeTexto 7">
+            <a:extLst>
+              <a:ext uri="{FF2B5EF4-FFF2-40B4-BE49-F238E27FC236}">
+                <a16:creationId xmlns:a16="http://schemas.microsoft.com/office/drawing/2014/main" id="{4106BB62-0A96-1C77-0339-E9CBB7568BD6}"/>
+              </a:ext>
+            </a:extLst>
+          </p:cNvPr>
+          <p:cNvSpPr txBox="1"/>
+          <p:nvPr/>
+        </p:nvSpPr>
+        <p:spPr>
+          <a:xfrm>
+            <a:off x="175971" y="897343"/>
+            <a:ext cx="11326916" cy="369332"/>
+          </a:xfrm>
+          <a:prstGeom prst="rect">
+            <a:avLst/>
+          </a:prstGeom>
+          <a:noFill/>
+        </p:spPr>
+        <p:txBody>
+          <a:bodyPr wrap="square" rtlCol="0">
+            <a:spAutoFit/>
+          </a:bodyPr>
+          <a:lstStyle/>
+          <a:p>
+            <a:r>
+              <a:rPr lang="pt-BR" dirty="0"/>
+              <a:t>Isso é só uma pequena parte do que é possível fazer.</a:t>
+            </a:r>
+          </a:p>
+        </p:txBody>
+      </p:sp>
+    </p:spTree>
+    <p:extLst>
+      <p:ext uri="{BB962C8B-B14F-4D97-AF65-F5344CB8AC3E}">
+        <p14:creationId xmlns:p14="http://schemas.microsoft.com/office/powerpoint/2010/main" val="3050591549"/>
       </p:ext>
     </p:extLst>
   </p:cSld>

--- a/Manual/CURSO QLIK-CLI.pptx
+++ b/Manual/CURSO QLIK-CLI.pptx
@@ -4398,7 +4398,7 @@
         </p:nvSpPr>
         <p:spPr>
           <a:xfrm>
-            <a:off x="175971" y="1780739"/>
+            <a:off x="175971" y="2690336"/>
             <a:ext cx="11326916" cy="1477328"/>
           </a:xfrm>
           <a:prstGeom prst="rect">
@@ -4422,7 +4422,7 @@
             </a:r>
             <a:r>
               <a:rPr lang="pt-BR" dirty="0"/>
-              <a:t> você encontra mais algumas coisas:</a:t>
+              <a:t> você encontra mais algumas coisas que pode te ajudar.</a:t>
             </a:r>
           </a:p>
           <a:p>
@@ -4437,12 +4437,26 @@
               <a:rPr lang="pt-BR" dirty="0"/>
               <a:t>: </a:t>
             </a:r>
+            <a:r>
+              <a:rPr lang="pt-BR" dirty="0">
+                <a:hlinkClick r:id="rId2"/>
+              </a:rPr>
+              <a:t>https://github.com/digaosss70/Qlik-Cli/tree/main/Exemplos%20Comandos</a:t>
+            </a:r>
+            <a:endParaRPr lang="pt-BR" dirty="0"/>
           </a:p>
           <a:p>
             <a:r>
               <a:rPr lang="pt-BR" b="1" dirty="0"/>
-              <a:t>Layouts</a:t>
-            </a:r>
+              <a:t>Layouts: </a:t>
+            </a:r>
+            <a:r>
+              <a:rPr lang="pt-BR" dirty="0">
+                <a:hlinkClick r:id="rId3"/>
+              </a:rPr>
+              <a:t>https://github.com/digaosss70/Qlik-Cli/tree/main/Layouts</a:t>
+            </a:r>
+            <a:endParaRPr lang="pt-BR" dirty="0"/>
           </a:p>
           <a:p>
             <a:r>
@@ -4453,7 +4467,17 @@
               <a:rPr lang="pt-BR" b="1" dirty="0" err="1"/>
               <a:t>PowerShell</a:t>
             </a:r>
-            <a:endParaRPr lang="pt-BR" b="1" dirty="0"/>
+            <a:r>
+              <a:rPr lang="pt-BR" b="1" dirty="0"/>
+              <a:t>: </a:t>
+            </a:r>
+            <a:r>
+              <a:rPr lang="pt-BR" dirty="0">
+                <a:hlinkClick r:id="rId4"/>
+              </a:rPr>
+              <a:t>https://github.com/digaosss70/Qlik-Cli/tree/main/Scripts%20POSH</a:t>
+            </a:r>
+            <a:endParaRPr lang="pt-BR" dirty="0"/>
           </a:p>
         </p:txBody>
       </p:sp>

--- a/Manual/CURSO QLIK-CLI.pptx
+++ b/Manual/CURSO QLIK-CLI.pptx
@@ -5336,82 +5336,18 @@
                 <a:effectLst/>
                 <a:latin typeface="-apple-system"/>
               </a:rPr>
-              <a:t> Instalação: </a:t>
-            </a:r>
-            <a:r>
-              <a:rPr lang="pt-BR" dirty="0" err="1">
-                <a:solidFill>
-                  <a:srgbClr val="0563C1"/>
-                </a:solidFill>
-                <a:hlinkClick r:id="rId2">
-                  <a:extLst>
-                    <a:ext uri="{A12FA001-AC4F-418D-AE19-62706E023703}">
-                      <ahyp:hlinkClr xmlns:ahyp="http://schemas.microsoft.com/office/drawing/2018/hyperlinkcolor" val="tx"/>
-                    </a:ext>
-                  </a:extLst>
-                </a:hlinkClick>
-              </a:rPr>
-              <a:t>Chocolatey</a:t>
-            </a:r>
-            <a:r>
-              <a:rPr lang="pt-BR" dirty="0">
-                <a:solidFill>
-                  <a:srgbClr val="0563C1"/>
-                </a:solidFill>
-                <a:hlinkClick r:id="rId2">
-                  <a:extLst>
-                    <a:ext uri="{A12FA001-AC4F-418D-AE19-62706E023703}">
-                      <ahyp:hlinkClr xmlns:ahyp="http://schemas.microsoft.com/office/drawing/2018/hyperlinkcolor" val="tx"/>
-                    </a:ext>
-                  </a:extLst>
-                </a:hlinkClick>
-              </a:rPr>
-              <a:t> Software | </a:t>
-            </a:r>
-            <a:r>
-              <a:rPr lang="pt-BR" dirty="0" err="1">
-                <a:solidFill>
-                  <a:srgbClr val="0563C1"/>
-                </a:solidFill>
-                <a:hlinkClick r:id="rId2">
-                  <a:extLst>
-                    <a:ext uri="{A12FA001-AC4F-418D-AE19-62706E023703}">
-                      <ahyp:hlinkClr xmlns:ahyp="http://schemas.microsoft.com/office/drawing/2018/hyperlinkcolor" val="tx"/>
-                    </a:ext>
-                  </a:extLst>
-                </a:hlinkClick>
-              </a:rPr>
-              <a:t>Installing</a:t>
-            </a:r>
-            <a:r>
-              <a:rPr lang="pt-BR" dirty="0">
-                <a:solidFill>
-                  <a:srgbClr val="0563C1"/>
-                </a:solidFill>
-                <a:hlinkClick r:id="rId2">
-                  <a:extLst>
-                    <a:ext uri="{A12FA001-AC4F-418D-AE19-62706E023703}">
-                      <ahyp:hlinkClr xmlns:ahyp="http://schemas.microsoft.com/office/drawing/2018/hyperlinkcolor" val="tx"/>
-                    </a:ext>
-                  </a:extLst>
-                </a:hlinkClick>
-              </a:rPr>
-              <a:t> </a:t>
-            </a:r>
-            <a:r>
-              <a:rPr lang="pt-BR" dirty="0" err="1">
+              <a:t> Instalação:   </a:t>
+            </a:r>
+            <a:r>
+              <a:rPr lang="pt-BR" b="0" i="0" dirty="0">
                 <a:solidFill>
                   <a:schemeClr val="bg1"/>
                 </a:solidFill>
-                <a:hlinkClick r:id="rId2">
-                  <a:extLst>
-                    <a:ext uri="{A12FA001-AC4F-418D-AE19-62706E023703}">
-                      <ahyp:hlinkClr xmlns:ahyp="http://schemas.microsoft.com/office/drawing/2018/hyperlinkcolor" val="tx"/>
-                    </a:ext>
-                  </a:extLst>
-                </a:hlinkClick>
-              </a:rPr>
-              <a:t>Chocolatey</a:t>
+                <a:effectLst/>
+                <a:latin typeface="-apple-system"/>
+                <a:hlinkClick r:id="rId2"/>
+              </a:rPr>
+              <a:t>https://chocolatey.org/install</a:t>
             </a:r>
             <a:endParaRPr lang="pt-BR" b="0" i="0" dirty="0">
               <a:solidFill>

--- a/Manual/CURSO QLIK-CLI.pptx
+++ b/Manual/CURSO QLIK-CLI.pptx
@@ -209,7 +209,7 @@
           <a:p>
             <a:fld id="{F6E7A8F2-C6CE-49B6-A752-A2227416A48E}" type="datetimeFigureOut">
               <a:rPr lang="pt-BR" smtClean="0"/>
-              <a:t>21/07/2022</a:t>
+              <a:t>25/07/2022</a:t>
             </a:fld>
             <a:endParaRPr lang="pt-BR"/>
           </a:p>
@@ -623,7 +623,7 @@
           <a:p>
             <a:fld id="{A90964A6-0D45-4C96-9DF9-1B95F3390CF7}" type="datetime1">
               <a:rPr lang="pt-BR" smtClean="0"/>
-              <a:t>21/07/2022</a:t>
+              <a:t>25/07/2022</a:t>
             </a:fld>
             <a:endParaRPr lang="pt-BR"/>
           </a:p>
@@ -821,7 +821,7 @@
           <a:p>
             <a:fld id="{837A4ABC-24D2-4238-98FB-983FD1284757}" type="datetime1">
               <a:rPr lang="pt-BR" smtClean="0"/>
-              <a:t>21/07/2022</a:t>
+              <a:t>25/07/2022</a:t>
             </a:fld>
             <a:endParaRPr lang="pt-BR"/>
           </a:p>
@@ -1029,7 +1029,7 @@
           <a:p>
             <a:fld id="{0D64A121-C322-42B6-A035-89D16540A94E}" type="datetime1">
               <a:rPr lang="pt-BR" smtClean="0"/>
-              <a:t>21/07/2022</a:t>
+              <a:t>25/07/2022</a:t>
             </a:fld>
             <a:endParaRPr lang="pt-BR"/>
           </a:p>
@@ -1227,7 +1227,7 @@
           <a:p>
             <a:fld id="{2F9CBEC2-F8B3-4EEA-99DE-803BE0F6CF4F}" type="datetime1">
               <a:rPr lang="pt-BR" smtClean="0"/>
-              <a:t>21/07/2022</a:t>
+              <a:t>25/07/2022</a:t>
             </a:fld>
             <a:endParaRPr lang="pt-BR"/>
           </a:p>
@@ -1502,7 +1502,7 @@
           <a:p>
             <a:fld id="{8E31BCA5-A3BC-40E2-AC55-29F123383569}" type="datetime1">
               <a:rPr lang="pt-BR" smtClean="0"/>
-              <a:t>21/07/2022</a:t>
+              <a:t>25/07/2022</a:t>
             </a:fld>
             <a:endParaRPr lang="pt-BR"/>
           </a:p>
@@ -1767,7 +1767,7 @@
           <a:p>
             <a:fld id="{F84FDBD2-31FE-4E39-8410-8CDF5B98ED50}" type="datetime1">
               <a:rPr lang="pt-BR" smtClean="0"/>
-              <a:t>21/07/2022</a:t>
+              <a:t>25/07/2022</a:t>
             </a:fld>
             <a:endParaRPr lang="pt-BR"/>
           </a:p>
@@ -2179,7 +2179,7 @@
           <a:p>
             <a:fld id="{3F4ED0DA-3959-4E6B-9D6E-8CE2CBD5CEF3}" type="datetime1">
               <a:rPr lang="pt-BR" smtClean="0"/>
-              <a:t>21/07/2022</a:t>
+              <a:t>25/07/2022</a:t>
             </a:fld>
             <a:endParaRPr lang="pt-BR"/>
           </a:p>
@@ -2320,7 +2320,7 @@
           <a:p>
             <a:fld id="{725641ED-A411-42D7-BE2E-D5CBC256C3AE}" type="datetime1">
               <a:rPr lang="pt-BR" smtClean="0"/>
-              <a:t>21/07/2022</a:t>
+              <a:t>25/07/2022</a:t>
             </a:fld>
             <a:endParaRPr lang="pt-BR"/>
           </a:p>
@@ -2433,7 +2433,7 @@
           <a:p>
             <a:fld id="{0BCB213A-0468-4C59-A7E0-F8B0C267523A}" type="datetime1">
               <a:rPr lang="pt-BR" smtClean="0"/>
-              <a:t>21/07/2022</a:t>
+              <a:t>25/07/2022</a:t>
             </a:fld>
             <a:endParaRPr lang="pt-BR"/>
           </a:p>
@@ -2744,7 +2744,7 @@
           <a:p>
             <a:fld id="{186F7E2C-AA48-4D3A-A12D-350C01D90B5D}" type="datetime1">
               <a:rPr lang="pt-BR" smtClean="0"/>
-              <a:t>21/07/2022</a:t>
+              <a:t>25/07/2022</a:t>
             </a:fld>
             <a:endParaRPr lang="pt-BR"/>
           </a:p>
@@ -3032,7 +3032,7 @@
           <a:p>
             <a:fld id="{78ACC8F9-59A6-493A-9A64-313DCE6F9DBE}" type="datetime1">
               <a:rPr lang="pt-BR" smtClean="0"/>
-              <a:t>21/07/2022</a:t>
+              <a:t>25/07/2022</a:t>
             </a:fld>
             <a:endParaRPr lang="pt-BR"/>
           </a:p>
@@ -3273,7 +3273,7 @@
           <a:p>
             <a:fld id="{6638A9F5-BC6A-437C-A253-83093F56DABA}" type="datetime1">
               <a:rPr lang="pt-BR" smtClean="0"/>
-              <a:t>21/07/2022</a:t>
+              <a:t>25/07/2022</a:t>
             </a:fld>
             <a:endParaRPr lang="pt-BR"/>
           </a:p>
@@ -6175,7 +6175,7 @@
         </p:blipFill>
         <p:spPr>
           <a:xfrm>
-            <a:off x="4705351" y="1291680"/>
+            <a:off x="7248146" y="1354821"/>
             <a:ext cx="2781300" cy="5286375"/>
           </a:xfrm>
           <a:prstGeom prst="rect">
@@ -6205,7 +6205,7 @@
         </p:blipFill>
         <p:spPr>
           <a:xfrm>
-            <a:off x="8501306" y="1291680"/>
+            <a:off x="4269271" y="1378012"/>
             <a:ext cx="2400300" cy="2733675"/>
           </a:xfrm>
           <a:prstGeom prst="rect">
@@ -6228,7 +6228,7 @@
         <p:spPr>
           <a:xfrm>
             <a:off x="175971" y="4401996"/>
-            <a:ext cx="4276759" cy="2031325"/>
+            <a:ext cx="6493600" cy="2031325"/>
           </a:xfrm>
           <a:prstGeom prst="rect">
             <a:avLst/>
@@ -6288,15 +6288,23 @@
             </a:r>
             <a:r>
               <a:rPr lang="pt-BR" dirty="0"/>
-              <a:t> contexto </a:t>
+              <a:t> </a:t>
             </a:r>
             <a:r>
               <a:rPr lang="pt-BR" dirty="0" err="1"/>
-              <a:t>xpto</a:t>
+              <a:t>context</a:t>
             </a:r>
             <a:r>
               <a:rPr lang="pt-BR" dirty="0"/>
               <a:t> </a:t>
+            </a:r>
+            <a:r>
+              <a:rPr lang="pt-BR" dirty="0" err="1">
+                <a:highlight>
+                  <a:srgbClr val="FFFF00"/>
+                </a:highlight>
+              </a:rPr>
+              <a:t>xpto</a:t>
             </a:r>
             <a:r>
               <a:rPr lang="pt-BR" dirty="0">
@@ -6304,7 +6312,7 @@
                   <a:srgbClr val="FFFF00"/>
                 </a:highlight>
               </a:rPr>
-              <a:t>(simular erro)</a:t>
+              <a:t> (Ao digitar errado ele traz o help)</a:t>
             </a:r>
           </a:p>
           <a:p>
